--- a/Doc/Poster/ME493 Poster.pptx
+++ b/Doc/Poster/ME493 Poster.pptx
@@ -852,7 +852,7 @@
               </a14:hiddenFill>
             </a:ext>
             <a:ext uri="{FAA26D3D-D897-4be2-8F04-BA451C77F1D7}">
-              <ma14:placeholderFlag xmlns:ma14="http://schemas.microsoft.com/office/mac/drawingml/2011/main" xmlns="" val="1"/>
+              <ma14:placeholderFlag xmlns="" xmlns:ma14="http://schemas.microsoft.com/office/mac/drawingml/2011/main" val="1"/>
             </a:ext>
           </a:extLst>
         </p:spPr>
@@ -892,58 +892,6 @@
         <p:txBody>
           <a:bodyPr/>
           <a:lstStyle/>
-          <a:p>
-            <a:pPr eaLnBrk="1" hangingPunct="1">
-              <a:spcBef>
-                <a:spcPct val="0"/>
-              </a:spcBef>
-            </a:pPr>
-            <a:r>
-              <a:rPr lang="en-US" altLang="x-none" sz="9600" dirty="0">
-                <a:solidFill>
-                  <a:srgbClr val="000000"/>
-                </a:solidFill>
-                <a:ea typeface="ＭＳ Ｐゴシック" charset="-128"/>
-              </a:rPr>
-              <a:t>This slide layout was derived from the templates created by Colin </a:t>
-            </a:r>
-            <a:r>
-              <a:rPr lang="en-US" altLang="x-none" sz="9600" dirty="0" err="1">
-                <a:solidFill>
-                  <a:srgbClr val="000000"/>
-                </a:solidFill>
-                <a:ea typeface="ＭＳ Ｐゴシック" charset="-128"/>
-              </a:rPr>
-              <a:t>Purrington</a:t>
-            </a:r>
-            <a:r>
-              <a:rPr lang="en-US" altLang="x-none" sz="9600" dirty="0">
-                <a:solidFill>
-                  <a:srgbClr val="000000"/>
-                </a:solidFill>
-                <a:ea typeface="ＭＳ Ｐゴシック" charset="-128"/>
-              </a:rPr>
-              <a:t>, http://</a:t>
-            </a:r>
-            <a:r>
-              <a:rPr lang="en-US" altLang="x-none" sz="9600" dirty="0" err="1">
-                <a:solidFill>
-                  <a:srgbClr val="000000"/>
-                </a:solidFill>
-                <a:ea typeface="ＭＳ Ｐゴシック" charset="-128"/>
-              </a:rPr>
-              <a:t>colinpurrington.com</a:t>
-            </a:r>
-            <a:r>
-              <a:rPr lang="en-US" altLang="x-none" sz="9600" dirty="0">
-                <a:solidFill>
-                  <a:srgbClr val="000000"/>
-                </a:solidFill>
-                <a:ea typeface="ＭＳ Ｐゴシック" charset="-128"/>
-              </a:rPr>
-              <a:t>/tips/poster-design</a:t>
-            </a:r>
-          </a:p>
           <a:p>
             <a:pPr eaLnBrk="1" hangingPunct="1">
               <a:spcBef>
@@ -3784,7 +3732,7 @@
               </a14:hiddenLine>
             </a:ext>
             <a:ext uri="{FAA26D3D-D897-4be2-8F04-BA451C77F1D7}">
-              <ma14:placeholderFlag xmlns:ma14="http://schemas.microsoft.com/office/mac/drawingml/2011/main" xmlns="" val="1"/>
+              <ma14:placeholderFlag xmlns="" xmlns:ma14="http://schemas.microsoft.com/office/mac/drawingml/2011/main" val="1"/>
             </a:ext>
           </a:extLst>
         </p:spPr>
@@ -3845,7 +3793,7 @@
               </a14:hiddenLine>
             </a:ext>
             <a:ext uri="{FAA26D3D-D897-4be2-8F04-BA451C77F1D7}">
-              <ma14:placeholderFlag xmlns:ma14="http://schemas.microsoft.com/office/mac/drawingml/2011/main" xmlns="" val="1"/>
+              <ma14:placeholderFlag xmlns="" xmlns:ma14="http://schemas.microsoft.com/office/mac/drawingml/2011/main" val="1"/>
             </a:ext>
           </a:extLst>
         </p:spPr>
@@ -4479,8 +4427,8 @@
         </p:nvSpPr>
         <p:spPr bwMode="auto">
           <a:xfrm>
-            <a:off x="1045029" y="8029580"/>
-            <a:ext cx="10012680" cy="4739364"/>
+            <a:off x="1045029" y="7558704"/>
+            <a:ext cx="10012680" cy="3266612"/>
           </a:xfrm>
           <a:prstGeom prst="rect">
             <a:avLst/>
@@ -4641,59 +4589,26 @@
             </a:pPr>
             <a:r>
               <a:rPr lang="en-US" altLang="x-none" sz="4400" b="1" dirty="0" smtClean="0">
-                <a:latin typeface="Calibri" charset="0"/>
+                <a:latin typeface="+mj-lt"/>
               </a:rPr>
               <a:t>Project Objective Statement</a:t>
             </a:r>
             <a:endParaRPr lang="en-US" altLang="x-none" sz="4400" b="1" dirty="0">
-              <a:latin typeface="Calibri" charset="0"/>
+              <a:latin typeface="+mj-lt"/>
             </a:endParaRPr>
           </a:p>
           <a:p>
-            <a:pPr eaLnBrk="1" hangingPunct="1">
+            <a:pPr algn="just" eaLnBrk="1" hangingPunct="1">
               <a:spcBef>
                 <a:spcPct val="10000"/>
               </a:spcBef>
             </a:pPr>
             <a:r>
-              <a:rPr lang="en-US" altLang="x-none" sz="2800" dirty="0" smtClean="0">
-                <a:latin typeface="Times New Roman" charset="0"/>
+              <a:rPr lang="en-US" sz="2400" dirty="0">
+                <a:latin typeface="+mj-lt"/>
               </a:rPr>
-              <a:t>The Project Objective Statement is a one sentence description of your project. Follow the format described in part 2 of the textbook.</a:t>
-            </a:r>
-          </a:p>
-          <a:p>
-            <a:pPr eaLnBrk="1" hangingPunct="1">
-              <a:spcBef>
-                <a:spcPts val="400"/>
-              </a:spcBef>
-            </a:pPr>
-            <a:endParaRPr lang="en-US" altLang="ja-JP" sz="2800" dirty="0">
-              <a:latin typeface="Times New Roman" charset="0"/>
-            </a:endParaRPr>
-          </a:p>
-          <a:p>
-            <a:pPr eaLnBrk="1" hangingPunct="1">
-              <a:spcBef>
-                <a:spcPct val="10000"/>
-              </a:spcBef>
-            </a:pPr>
-            <a:r>
-              <a:rPr lang="en-US" altLang="ja-JP" sz="2800" dirty="0" smtClean="0">
-                <a:latin typeface="Times New Roman" charset="0"/>
-              </a:rPr>
-              <a:t>Adjust the height of this textbox to comfortably fit the Project Objective Statement.</a:t>
-            </a:r>
-            <a:endParaRPr lang="en-US" altLang="ja-JP" sz="2400" dirty="0">
-              <a:latin typeface="Times New Roman" charset="0"/>
-            </a:endParaRPr>
-          </a:p>
-          <a:p>
-            <a:pPr eaLnBrk="1" hangingPunct="1">
-              <a:spcBef>
-                <a:spcPct val="10000"/>
-              </a:spcBef>
-            </a:pPr>
+              <a:t>The goal of the EFS project is to design, build, and test an electric feed system using COTS parts and in-house manufacturing for the PSAS LV4 liquid fueled bi-propellant rocket engine prototype by June 6, 2017.</a:t>
+            </a:r>
             <a:r>
               <a:rPr lang="en-US" altLang="x-none" sz="2400" dirty="0">
                 <a:latin typeface="Times New Roman" charset="0"/>
@@ -4894,7 +4809,7 @@
                 <a:solidFill>
                   <a:srgbClr val="000000"/>
                 </a:solidFill>
-                <a:latin typeface="Calibri" charset="0"/>
+                <a:latin typeface="+mn-lt"/>
               </a:rPr>
               <a:t>Key Customer Requirements</a:t>
             </a:r>
@@ -4903,12 +4818,12 @@
                 <a:solidFill>
                   <a:srgbClr val="FF8000"/>
                 </a:solidFill>
-                <a:latin typeface="Times New Roman" charset="0"/>
+                <a:latin typeface="+mn-lt"/>
               </a:rPr>
               <a:t>	</a:t>
             </a:r>
             <a:endParaRPr lang="en-US" altLang="x-none" sz="2057" dirty="0">
-              <a:latin typeface="Times New Roman" charset="0"/>
+              <a:latin typeface="+mn-lt"/>
             </a:endParaRPr>
           </a:p>
           <a:p>
@@ -4919,7 +4834,7 @@
             </a:pPr>
             <a:r>
               <a:rPr lang="en-US" altLang="x-none" sz="2800" dirty="0" smtClean="0">
-                <a:latin typeface="Times New Roman" charset="0"/>
+                <a:latin typeface="+mn-lt"/>
               </a:rPr>
               <a:t>List 3-5 key requirements in abbreviated form. No long explanations! Use words another engineering student or someone unfamiliar with your project would understand.</a:t>
             </a:r>
@@ -4934,7 +4849,7 @@
             </a:pPr>
             <a:r>
               <a:rPr lang="en-US" altLang="x-none" sz="2800" dirty="0" smtClean="0">
-                <a:latin typeface="Times New Roman" charset="0"/>
+                <a:latin typeface="+mn-lt"/>
               </a:rPr>
               <a:t>Faster than a speeding bullet</a:t>
             </a:r>
@@ -4949,7 +4864,7 @@
             </a:pPr>
             <a:r>
               <a:rPr lang="en-US" altLang="x-none" sz="2800" dirty="0" smtClean="0">
-                <a:latin typeface="Times New Roman" charset="0"/>
+                <a:latin typeface="+mn-lt"/>
               </a:rPr>
               <a:t>More powerful than a locomotive</a:t>
             </a:r>
@@ -4964,7 +4879,7 @@
             </a:pPr>
             <a:r>
               <a:rPr lang="en-US" altLang="x-none" sz="2800" dirty="0" smtClean="0">
-                <a:latin typeface="Times New Roman" charset="0"/>
+                <a:latin typeface="+mn-lt"/>
               </a:rPr>
               <a:t>Compatible with iOS and Android</a:t>
             </a:r>
@@ -4979,7 +4894,7 @@
             </a:pPr>
             <a:r>
               <a:rPr lang="en-US" altLang="x-none" sz="2800" dirty="0" smtClean="0">
-                <a:latin typeface="Times New Roman" charset="0"/>
+                <a:latin typeface="+mn-lt"/>
               </a:rPr>
               <a:t>Waterproof!</a:t>
             </a:r>
@@ -4994,12 +4909,12 @@
             </a:pPr>
             <a:r>
               <a:rPr lang="en-US" altLang="x-none" sz="2800" dirty="0" smtClean="0">
-                <a:latin typeface="Times New Roman" charset="0"/>
+                <a:latin typeface="+mn-lt"/>
               </a:rPr>
               <a:t>Goes well with plaid and stripes</a:t>
             </a:r>
             <a:endParaRPr lang="en-US" altLang="x-none" sz="2800" dirty="0">
-              <a:latin typeface="Times New Roman" charset="0"/>
+              <a:latin typeface="+mn-lt"/>
             </a:endParaRPr>
           </a:p>
           <a:p>
@@ -5162,7 +5077,7 @@
                 <a:solidFill>
                   <a:srgbClr val="000000"/>
                 </a:solidFill>
-                <a:latin typeface="Calibri" charset="0"/>
+                <a:latin typeface="+mn-lt"/>
               </a:rPr>
               <a:t>Acknowledgments</a:t>
             </a:r>
@@ -5175,7 +5090,7 @@
             </a:pPr>
             <a:r>
               <a:rPr lang="en-US" altLang="x-none" sz="2800" dirty="0" smtClean="0">
-                <a:latin typeface="Times New Roman" charset="0"/>
+                <a:latin typeface="+mn-lt"/>
               </a:rPr>
               <a:t>List people and companies that provided resources and assistance. For example this would be a good place to acknowledge your external sponsor and be specific about how they helped you.</a:t>
             </a:r>
@@ -5192,8 +5107,8 @@
         </p:nvSpPr>
         <p:spPr bwMode="auto">
           <a:xfrm>
-            <a:off x="11847739" y="8011887"/>
-            <a:ext cx="20116800" cy="19202400"/>
+            <a:off x="11847739" y="7494575"/>
+            <a:ext cx="20116800" cy="19719712"/>
           </a:xfrm>
           <a:prstGeom prst="rect">
             <a:avLst/>
@@ -5353,7 +5268,7 @@
                 <a:solidFill>
                   <a:srgbClr val="000000"/>
                 </a:solidFill>
-                <a:latin typeface="Calibri" charset="0"/>
+                <a:latin typeface="+mn-lt"/>
               </a:rPr>
               <a:t>Results of your design process</a:t>
             </a:r>
@@ -5361,7 +5276,7 @@
               <a:solidFill>
                 <a:srgbClr val="000000"/>
               </a:solidFill>
-              <a:latin typeface="Calibri" charset="0"/>
+              <a:latin typeface="+mn-lt"/>
             </a:endParaRPr>
           </a:p>
           <a:p>
@@ -5372,7 +5287,7 @@
             </a:pPr>
             <a:r>
               <a:rPr lang="en-US" altLang="x-none" sz="2800" dirty="0" smtClean="0">
-                <a:latin typeface="Times New Roman" charset="0"/>
+                <a:latin typeface="+mn-lt"/>
               </a:rPr>
               <a:t>You should probably change the heading for this box to reflect a unique feature of your design.</a:t>
             </a:r>
@@ -5384,7 +5299,7 @@
               </a:spcBef>
             </a:pPr>
             <a:endParaRPr lang="en-US" altLang="x-none" sz="2800" dirty="0">
-              <a:latin typeface="Times New Roman" charset="0"/>
+              <a:latin typeface="+mn-lt"/>
             </a:endParaRPr>
           </a:p>
           <a:p>
@@ -5395,7 +5310,7 @@
             </a:pPr>
             <a:r>
               <a:rPr lang="en-US" altLang="x-none" sz="2800" dirty="0" smtClean="0">
-                <a:latin typeface="Times New Roman" charset="0"/>
+                <a:latin typeface="+mn-lt"/>
               </a:rPr>
               <a:t>Show images of conceptual design solutions. Avoid filling this box with too much text.</a:t>
             </a:r>
@@ -5407,7 +5322,7 @@
               </a:spcBef>
             </a:pPr>
             <a:endParaRPr lang="en-US" altLang="x-none" sz="2800" dirty="0">
-              <a:latin typeface="Times New Roman" charset="0"/>
+              <a:latin typeface="+mn-lt"/>
             </a:endParaRPr>
           </a:p>
           <a:p>
@@ -5418,12 +5333,12 @@
             </a:pPr>
             <a:r>
               <a:rPr lang="en-US" altLang="x-none" sz="2800" dirty="0" smtClean="0">
-                <a:latin typeface="Times New Roman" charset="0"/>
+                <a:latin typeface="+mn-lt"/>
               </a:rPr>
               <a:t>Make sure your final design concept is the most prominent image:  For example, you could put it on top, with precursor ideas below. But that is just an idea. You do not need to follow any rigid formula for content inside the boxes</a:t>
             </a:r>
             <a:endParaRPr lang="en-US" altLang="x-none" sz="2800" dirty="0">
-              <a:latin typeface="Times New Roman" charset="0"/>
+              <a:latin typeface="+mn-lt"/>
             </a:endParaRPr>
           </a:p>
         </p:txBody>
@@ -5438,8 +5353,8 @@
         </p:nvSpPr>
         <p:spPr bwMode="auto">
           <a:xfrm>
-            <a:off x="33029979" y="8006447"/>
-            <a:ext cx="10012680" cy="11993121"/>
+            <a:off x="33029979" y="7558705"/>
+            <a:ext cx="10012680" cy="12440864"/>
           </a:xfrm>
           <a:prstGeom prst="rect">
             <a:avLst/>
@@ -5603,7 +5518,7 @@
                 <a:solidFill>
                   <a:srgbClr val="000000"/>
                 </a:solidFill>
-                <a:latin typeface="Calibri" charset="0"/>
+                <a:latin typeface="+mn-lt"/>
               </a:rPr>
               <a:t>Measured Performance</a:t>
             </a:r>
@@ -5611,7 +5526,7 @@
               <a:solidFill>
                 <a:srgbClr val="000000"/>
               </a:solidFill>
-              <a:latin typeface="Calibri" charset="0"/>
+              <a:latin typeface="+mn-lt"/>
             </a:endParaRPr>
           </a:p>
           <a:p>
@@ -5622,7 +5537,7 @@
             </a:pPr>
             <a:r>
               <a:rPr lang="en-US" altLang="x-none" sz="2800" dirty="0" smtClean="0">
-                <a:latin typeface="Times New Roman" charset="0"/>
+                <a:latin typeface="+mn-lt"/>
               </a:rPr>
               <a:t>Show concrete, quantitative evidence that your device works. Show how, and to what degree, your design meets the key customer requirements. Plots, photos of the device in action, or tables of results would be good to add. However, do not cram too much information into the space</a:t>
             </a:r>
@@ -5634,7 +5549,7 @@
               </a:spcBef>
             </a:pPr>
             <a:endParaRPr lang="en-US" altLang="x-none" sz="2800" dirty="0">
-              <a:latin typeface="Times New Roman" charset="0"/>
+              <a:latin typeface="+mn-lt"/>
             </a:endParaRPr>
           </a:p>
           <a:p>
@@ -5645,12 +5560,12 @@
             </a:pPr>
             <a:r>
               <a:rPr lang="en-US" altLang="x-none" sz="2800" dirty="0" smtClean="0">
-                <a:latin typeface="Times New Roman" charset="0"/>
+                <a:latin typeface="+mn-lt"/>
               </a:rPr>
               <a:t>This is where you show your convincing evidence for the success of your project</a:t>
             </a:r>
             <a:endParaRPr lang="en-US" altLang="x-none" sz="2800" dirty="0">
-              <a:latin typeface="Times New Roman" charset="0"/>
+              <a:latin typeface="+mn-lt"/>
             </a:endParaRPr>
           </a:p>
         </p:txBody>
@@ -5817,21 +5732,27 @@
             </a:pPr>
             <a:r>
               <a:rPr lang="en-US" altLang="x-none" sz="6000" b="1" dirty="0" smtClean="0">
-                <a:latin typeface="Calibri" charset="0"/>
+                <a:latin typeface="+mj-lt"/>
               </a:rPr>
               <a:t>Team Members: </a:t>
             </a:r>
             <a:r>
-              <a:rPr lang="en-US" altLang="x-none" sz="6000" dirty="0" smtClean="0">
-                <a:latin typeface="Calibri" charset="0"/>
+              <a:rPr lang="en-US" altLang="x-none" sz="6000" b="1" dirty="0" smtClean="0">
+                <a:latin typeface="+mj-lt"/>
               </a:rPr>
-              <a:t>Name1, Name2, Name3, </a:t>
-            </a:r>
-            <a:r>
-              <a:rPr lang="is-IS" altLang="x-none" sz="6000" dirty="0" smtClean="0">
-                <a:latin typeface="Calibri" charset="0"/>
+              <a:t>John C. Froehlich, Jonathan Talik, James Luce, Rawand Rasheed, Mimi Shang </a:t>
+            </a:r>
+            <a:r>
+              <a:rPr lang="en-US" altLang="x-none" sz="6000" b="1" dirty="0" smtClean="0">
+                <a:latin typeface="+mj-lt"/>
               </a:rPr>
-              <a:t>…</a:t>
+              <a:t>and </a:t>
+            </a:r>
+            <a:r>
+              <a:rPr lang="en-US" altLang="x-none" sz="6000" b="1" dirty="0" smtClean="0">
+                <a:latin typeface="+mj-lt"/>
+              </a:rPr>
+              <a:t>Jordan Roland</a:t>
             </a:r>
           </a:p>
           <a:p>
@@ -5845,18 +5766,12 @@
             </a:pPr>
             <a:r>
               <a:rPr lang="is-IS" altLang="x-none" sz="6000" b="1" dirty="0" smtClean="0">
-                <a:latin typeface="Calibri" charset="0"/>
+                <a:latin typeface="+mj-lt"/>
               </a:rPr>
-              <a:t>Sponsor:</a:t>
-            </a:r>
-            <a:r>
-              <a:rPr lang="is-IS" altLang="x-none" sz="6000" dirty="0" smtClean="0">
-                <a:latin typeface="Calibri" charset="0"/>
-              </a:rPr>
-              <a:t> Sponsor Name</a:t>
+              <a:t>Sponsor: Portland State Aerospace Society</a:t>
             </a:r>
             <a:endParaRPr lang="en-US" altLang="x-none" sz="6000" dirty="0">
-              <a:latin typeface="Calibri" charset="0"/>
+              <a:latin typeface="+mj-lt"/>
             </a:endParaRPr>
           </a:p>
         </p:txBody>
@@ -5905,7 +5820,7 @@
                 <a:solidFill>
                   <a:srgbClr val="000000"/>
                 </a:solidFill>
-                <a:latin typeface="Calibri"/>
+                <a:latin typeface="+mn-lt"/>
                 <a:ea typeface="ＭＳ Ｐゴシック" pitchFamily="-111" charset="-128"/>
                 <a:cs typeface="ＭＳ Ｐゴシック" pitchFamily="-111" charset="-128"/>
               </a:rPr>
@@ -5916,7 +5831,7 @@
                 <a:solidFill>
                   <a:srgbClr val="000000"/>
                 </a:solidFill>
-                <a:latin typeface="Calibri"/>
+                <a:latin typeface="+mn-lt"/>
                 <a:ea typeface="ＭＳ Ｐゴシック" pitchFamily="-111" charset="-128"/>
                 <a:cs typeface="ＭＳ Ｐゴシック" pitchFamily="-111" charset="-128"/>
               </a:rPr>
@@ -5926,7 +5841,7 @@
               <a:solidFill>
                 <a:srgbClr val="000000"/>
               </a:solidFill>
-              <a:latin typeface="Calibri"/>
+              <a:latin typeface="+mn-lt"/>
               <a:ea typeface="ＭＳ Ｐゴシック" pitchFamily="-111" charset="-128"/>
               <a:cs typeface="ＭＳ Ｐゴシック" pitchFamily="-111" charset="-128"/>
             </a:endParaRPr>
@@ -5941,37 +5856,37 @@
             </a:pPr>
             <a:r>
               <a:rPr lang="en-US" altLang="x-none" sz="2800" dirty="0">
-                <a:latin typeface="Times New Roman" charset="0"/>
+                <a:latin typeface="+mn-lt"/>
               </a:rPr>
               <a:t>This poster template is derived from a template created by Colin </a:t>
             </a:r>
             <a:r>
               <a:rPr lang="en-US" altLang="x-none" sz="2800" dirty="0" err="1">
-                <a:latin typeface="Times New Roman" charset="0"/>
+                <a:latin typeface="+mn-lt"/>
               </a:rPr>
               <a:t>Purrington</a:t>
             </a:r>
             <a:r>
               <a:rPr lang="en-US" altLang="x-none" sz="2800" dirty="0">
-                <a:latin typeface="Times New Roman" charset="0"/>
+                <a:latin typeface="+mn-lt"/>
               </a:rPr>
               <a:t>, which can be found at http://</a:t>
             </a:r>
             <a:r>
               <a:rPr lang="en-US" altLang="x-none" sz="2800" dirty="0" err="1">
-                <a:latin typeface="Times New Roman" charset="0"/>
+                <a:latin typeface="+mn-lt"/>
               </a:rPr>
               <a:t>colinpurrington.com</a:t>
             </a:r>
             <a:r>
               <a:rPr lang="en-US" altLang="x-none" sz="2800" dirty="0">
-                <a:latin typeface="Times New Roman" charset="0"/>
+                <a:latin typeface="+mn-lt"/>
               </a:rPr>
               <a:t>/tips/academic/</a:t>
             </a:r>
             <a:r>
               <a:rPr lang="en-US" altLang="x-none" sz="2800" dirty="0" err="1">
-                <a:latin typeface="Times New Roman" charset="0"/>
+                <a:latin typeface="+mn-lt"/>
               </a:rPr>
               <a:t>posterdesign</a:t>
             </a:r>
@@ -5980,12 +5895,12 @@
                 <a:solidFill>
                   <a:srgbClr val="000000"/>
                 </a:solidFill>
-                <a:latin typeface="Calibri" charset="0"/>
+                <a:latin typeface="+mn-lt"/>
               </a:rPr>
               <a:t>. </a:t>
             </a:r>
             <a:endParaRPr lang="en-US" altLang="x-none" sz="2800" dirty="0">
-              <a:latin typeface="Times New Roman" charset="0"/>
+              <a:latin typeface="+mn-lt"/>
             </a:endParaRPr>
           </a:p>
           <a:p>
@@ -5996,7 +5911,7 @@
             </a:pPr>
             <a:r>
               <a:rPr lang="en-US" sz="2800" dirty="0" smtClean="0">
-                <a:latin typeface="Times New Roman" pitchFamily="-111" charset="0"/>
+                <a:latin typeface="+mn-lt"/>
                 <a:ea typeface="ＭＳ Ｐゴシック" pitchFamily="-111" charset="-128"/>
                 <a:cs typeface="ＭＳ Ｐゴシック" pitchFamily="-111" charset="-128"/>
               </a:rPr>
@@ -6004,7 +5919,7 @@
             </a:r>
             <a:r>
               <a:rPr lang="en-US" sz="2800" baseline="30000" dirty="0" smtClean="0">
-                <a:latin typeface="Times New Roman" pitchFamily="-111" charset="0"/>
+                <a:latin typeface="+mn-lt"/>
                 <a:ea typeface="ＭＳ Ｐゴシック" pitchFamily="-111" charset="-128"/>
                 <a:cs typeface="ＭＳ Ｐゴシック" pitchFamily="-111" charset="-128"/>
               </a:rPr>
@@ -6012,7 +5927,7 @@
             </a:r>
             <a:r>
               <a:rPr lang="en-US" sz="2800" dirty="0" smtClean="0">
-                <a:latin typeface="Times New Roman" pitchFamily="-111" charset="0"/>
+                <a:latin typeface="+mn-lt"/>
                 <a:ea typeface="ＭＳ Ｐゴシック" pitchFamily="-111" charset="-128"/>
                 <a:cs typeface="ＭＳ Ｐゴシック" pitchFamily="-111" charset="-128"/>
               </a:rPr>
@@ -6188,7 +6103,7 @@
                 <a:solidFill>
                   <a:srgbClr val="000000"/>
                 </a:solidFill>
-                <a:latin typeface="Calibri" charset="0"/>
+                <a:latin typeface="+mn-lt"/>
               </a:rPr>
               <a:t>Further information</a:t>
             </a:r>
@@ -6201,7 +6116,7 @@
             </a:pPr>
             <a:r>
               <a:rPr lang="en-US" altLang="x-none" sz="2800" dirty="0">
-                <a:latin typeface="Times New Roman" charset="0"/>
+                <a:latin typeface="+mn-lt"/>
               </a:rPr>
               <a:t>Provide web site or email address information that will allow interested readers to contact you.</a:t>
             </a:r>
@@ -6214,31 +6129,31 @@
             </a:pPr>
             <a:r>
               <a:rPr lang="en-US" altLang="x-none" sz="2800" dirty="0">
-                <a:latin typeface="Times New Roman" charset="0"/>
+                <a:latin typeface="+mn-lt"/>
               </a:rPr>
               <a:t>See http://</a:t>
             </a:r>
             <a:r>
               <a:rPr lang="en-US" altLang="x-none" sz="2800" dirty="0" err="1">
-                <a:latin typeface="Times New Roman" charset="0"/>
+                <a:latin typeface="+mn-lt"/>
               </a:rPr>
               <a:t>web.cecs.pdx.edu</a:t>
             </a:r>
             <a:r>
               <a:rPr lang="en-US" altLang="x-none" sz="2800" dirty="0">
-                <a:latin typeface="Times New Roman" charset="0"/>
+                <a:latin typeface="+mn-lt"/>
               </a:rPr>
               <a:t>/~</a:t>
             </a:r>
             <a:r>
               <a:rPr lang="en-US" altLang="x-none" sz="2800" dirty="0" err="1">
-                <a:latin typeface="Times New Roman" charset="0"/>
+                <a:latin typeface="+mn-lt"/>
               </a:rPr>
               <a:t>gerry</a:t>
             </a:r>
             <a:r>
               <a:rPr lang="en-US" altLang="x-none" sz="2800" dirty="0">
-                <a:latin typeface="Times New Roman" charset="0"/>
+                <a:latin typeface="+mn-lt"/>
               </a:rPr>
               <a:t>/class/ME493/projects/</a:t>
             </a:r>
@@ -6287,14 +6202,14 @@
           </a:ln>
           <a:extLst>
             <a:ext uri="{909E8E84-426E-40dd-AFC4-6F175D3DCCD1}">
-              <a14:hiddenFill xmlns="" xmlns:a14="http://schemas.microsoft.com/office/drawing/2010/main">
+              <a14:hiddenFill xmlns:a14="http://schemas.microsoft.com/office/drawing/2010/main" xmlns="">
                 <a:solidFill>
                   <a:srgbClr val="FFFFFF"/>
                 </a:solidFill>
               </a14:hiddenFill>
             </a:ext>
             <a:ext uri="{91240B29-F687-4f45-9708-019B960494DF}">
-              <a14:hiddenLine xmlns="" xmlns:a14="http://schemas.microsoft.com/office/drawing/2010/main" w="9525">
+              <a14:hiddenLine xmlns:a14="http://schemas.microsoft.com/office/drawing/2010/main" xmlns="" w="9525">
                 <a:solidFill>
                   <a:srgbClr val="000000"/>
                 </a:solidFill>
@@ -6321,11 +6236,24 @@
                     <a:schemeClr val="bg1"/>
                   </a:solidFill>
                 </a:ln>
-                <a:latin typeface="Calibri"/>
+                <a:latin typeface="+mj-lt"/>
                 <a:ea typeface="ＭＳ Ｐゴシック" charset="0"/>
                 <a:cs typeface="ＭＳ Ｐゴシック" charset="0"/>
               </a:rPr>
-              <a:t>EFS</a:t>
+              <a:t>Electronic Propellant Feed Syste</a:t>
+            </a:r>
+            <a:r>
+              <a:rPr lang="en-US" sz="9600" b="1" dirty="0">
+                <a:ln>
+                  <a:solidFill>
+                    <a:schemeClr val="bg1"/>
+                  </a:solidFill>
+                </a:ln>
+                <a:latin typeface="+mj-lt"/>
+                <a:ea typeface="ＭＳ Ｐゴシック" charset="0"/>
+                <a:cs typeface="ＭＳ Ｐゴシック" charset="0"/>
+              </a:rPr>
+              <a:t>m</a:t>
             </a:r>
             <a:endParaRPr lang="en-US" sz="9600" b="1" dirty="0">
               <a:ln>
@@ -6333,7 +6261,7 @@
                   <a:schemeClr val="bg1"/>
                 </a:solidFill>
               </a:ln>
-              <a:latin typeface="Calibri"/>
+              <a:latin typeface="+mj-lt"/>
               <a:ea typeface="ＭＳ Ｐゴシック" charset="0"/>
               <a:cs typeface="ＭＳ Ｐゴシック" charset="0"/>
             </a:endParaRPr>
@@ -6350,8 +6278,8 @@
         </p:nvSpPr>
         <p:spPr bwMode="auto">
           <a:xfrm>
-            <a:off x="1045029" y="13703813"/>
-            <a:ext cx="10012680" cy="6167497"/>
+            <a:off x="1045029" y="11760185"/>
+            <a:ext cx="10012680" cy="8111125"/>
           </a:xfrm>
           <a:prstGeom prst="rect">
             <a:avLst/>
@@ -6512,12 +6440,12 @@
             </a:pPr>
             <a:r>
               <a:rPr lang="en-US" altLang="x-none" sz="4400" b="1" dirty="0" smtClean="0">
-                <a:latin typeface="Calibri" charset="0"/>
+                <a:latin typeface="+mj-lt"/>
               </a:rPr>
               <a:t>Motivation</a:t>
             </a:r>
             <a:endParaRPr lang="en-US" altLang="x-none" sz="4400" b="1" dirty="0">
-              <a:latin typeface="Calibri" charset="0"/>
+              <a:latin typeface="+mj-lt"/>
             </a:endParaRPr>
           </a:p>
           <a:p>
@@ -6528,7 +6456,7 @@
             </a:pPr>
             <a:r>
               <a:rPr lang="en-US" altLang="ja-JP" sz="2800" dirty="0" smtClean="0">
-                <a:latin typeface="Times New Roman" charset="0"/>
+                <a:latin typeface="+mj-lt"/>
               </a:rPr>
               <a:t>Why is this important? You may want to replace the “Motivation” heading with something short and specific like “Reducing energy consumption” or “Automated pool rescue” (without the quotes).</a:t>
             </a:r>
@@ -6540,7 +6468,7 @@
               </a:spcBef>
             </a:pPr>
             <a:endParaRPr lang="en-US" altLang="ja-JP" sz="2800" dirty="0" smtClean="0">
-              <a:latin typeface="Times New Roman" charset="0"/>
+              <a:latin typeface="+mj-lt"/>
             </a:endParaRPr>
           </a:p>
           <a:p>
@@ -6551,7 +6479,7 @@
             </a:pPr>
             <a:r>
               <a:rPr lang="en-US" altLang="ja-JP" sz="2800" dirty="0" smtClean="0">
-                <a:latin typeface="Times New Roman" charset="0"/>
+                <a:latin typeface="+mj-lt"/>
               </a:rPr>
               <a:t>After the heading, provide a brief, say 20 word, explanation or key fact.</a:t>
             </a:r>
@@ -6564,12 +6492,12 @@
             </a:pPr>
             <a:r>
               <a:rPr lang="en-US" altLang="ja-JP" sz="2800" dirty="0" smtClean="0">
-                <a:latin typeface="Times New Roman" charset="0"/>
+                <a:latin typeface="+mj-lt"/>
               </a:rPr>
               <a:t>A picture or a plot that represents or shows the “problem” would be effective. Adjust the height of this box as necessary. For example, you probably need to make the box taller if you use a picture.</a:t>
             </a:r>
             <a:endParaRPr lang="en-US" altLang="ja-JP" sz="2400" dirty="0">
-              <a:latin typeface="Times New Roman" charset="0"/>
+              <a:latin typeface="+mj-lt"/>
             </a:endParaRPr>
           </a:p>
           <a:p>
@@ -6580,7 +6508,7 @@
             </a:pPr>
             <a:r>
               <a:rPr lang="en-US" altLang="x-none" sz="2400" dirty="0">
-                <a:latin typeface="Times New Roman" charset="0"/>
+                <a:latin typeface="+mj-lt"/>
               </a:rPr>
               <a:t>		</a:t>
             </a:r>
@@ -6588,7 +6516,7 @@
               <a:solidFill>
                 <a:schemeClr val="accent2"/>
               </a:solidFill>
-              <a:latin typeface="Times New Roman" charset="0"/>
+              <a:latin typeface="+mj-lt"/>
             </a:endParaRPr>
           </a:p>
           <a:p>
@@ -7329,7 +7257,7 @@
                 <a:solidFill>
                   <a:srgbClr val="000000"/>
                 </a:solidFill>
-                <a:latin typeface="Calibri" charset="0"/>
+                <a:latin typeface="+mn-lt"/>
               </a:rPr>
               <a:t>Lessons Learned / Future Work</a:t>
             </a:r>
@@ -7338,12 +7266,12 @@
                 <a:solidFill>
                   <a:srgbClr val="FF8000"/>
                 </a:solidFill>
-                <a:latin typeface="Times New Roman" charset="0"/>
+                <a:latin typeface="+mn-lt"/>
               </a:rPr>
               <a:t>	</a:t>
             </a:r>
             <a:endParaRPr lang="en-US" altLang="x-none" sz="2057" dirty="0">
-              <a:latin typeface="Times New Roman" charset="0"/>
+              <a:latin typeface="+mn-lt"/>
             </a:endParaRPr>
           </a:p>
           <a:p>
@@ -7354,7 +7282,7 @@
             </a:pPr>
             <a:r>
               <a:rPr lang="en-US" altLang="x-none" sz="2800" dirty="0" smtClean="0">
-                <a:latin typeface="Times New Roman" charset="0"/>
+                <a:latin typeface="+mn-lt"/>
               </a:rPr>
               <a:t>Do you have advice for other Capstone teams? Is there something you would do differently? Try to frame this advice from a positive, encouraging perspective</a:t>
             </a:r>
@@ -7366,7 +7294,7 @@
               </a:spcBef>
             </a:pPr>
             <a:endParaRPr lang="en-US" altLang="x-none" sz="2800" dirty="0">
-              <a:latin typeface="Times New Roman" charset="0"/>
+              <a:latin typeface="+mn-lt"/>
             </a:endParaRPr>
           </a:p>
           <a:p>
@@ -7377,12 +7305,12 @@
             </a:pPr>
             <a:r>
               <a:rPr lang="en-US" altLang="x-none" sz="2800" dirty="0" smtClean="0">
-                <a:latin typeface="Times New Roman" charset="0"/>
+                <a:latin typeface="+mn-lt"/>
               </a:rPr>
               <a:t>If you have recommendations for continuing this project, list those recommendations here</a:t>
             </a:r>
             <a:endParaRPr lang="en-US" altLang="x-none" sz="2800" dirty="0">
-              <a:latin typeface="Times New Roman" charset="0"/>
+              <a:latin typeface="+mn-lt"/>
             </a:endParaRPr>
           </a:p>
           <a:p>
@@ -7541,7 +7469,7 @@
                 <a:solidFill>
                   <a:srgbClr val="000000"/>
                 </a:solidFill>
-                <a:latin typeface="Calibri" charset="0"/>
+                <a:latin typeface="+mn-lt"/>
               </a:rPr>
               <a:t>Thank you to our sponsors</a:t>
             </a:r>
@@ -7549,7 +7477,7 @@
               <a:solidFill>
                 <a:srgbClr val="000000"/>
               </a:solidFill>
-              <a:latin typeface="Calibri" charset="0"/>
+              <a:latin typeface="+mn-lt"/>
             </a:endParaRPr>
           </a:p>
           <a:p>
@@ -7560,7 +7488,7 @@
             </a:pPr>
             <a:r>
               <a:rPr lang="en-US" altLang="x-none" sz="2800" dirty="0" smtClean="0">
-                <a:latin typeface="Times New Roman" charset="0"/>
+                <a:latin typeface="+mn-lt"/>
               </a:rPr>
               <a:t>ACME Corporation</a:t>
             </a:r>
@@ -7573,7 +7501,7 @@
             </a:pPr>
             <a:r>
               <a:rPr lang="en-US" altLang="x-none" sz="2800" dirty="0" smtClean="0">
-                <a:latin typeface="Times New Roman" charset="0"/>
+                <a:latin typeface="+mn-lt"/>
               </a:rPr>
               <a:t>URS Electronics</a:t>
             </a:r>
@@ -7586,12 +7514,12 @@
             </a:pPr>
             <a:r>
               <a:rPr lang="en-US" altLang="x-none" sz="2800" dirty="0" smtClean="0">
-                <a:latin typeface="Times New Roman" charset="0"/>
+                <a:latin typeface="+mn-lt"/>
               </a:rPr>
               <a:t>Mechanical Materials Engineering Department</a:t>
             </a:r>
             <a:endParaRPr lang="en-US" altLang="x-none" sz="2800" dirty="0">
-              <a:latin typeface="Times New Roman" charset="0"/>
+              <a:latin typeface="+mn-lt"/>
             </a:endParaRPr>
           </a:p>
           <a:p>
@@ -7948,6 +7876,36 @@
           <a:xfrm>
             <a:off x="37031980" y="30552856"/>
             <a:ext cx="5507083" cy="1148717"/>
+          </a:xfrm>
+          <a:prstGeom prst="rect">
+            <a:avLst/>
+          </a:prstGeom>
+        </p:spPr>
+      </p:pic>
+      <p:pic>
+        <p:nvPicPr>
+          <p:cNvPr id="4" name="Picture 3"/>
+          <p:cNvPicPr>
+            <a:picLocks noChangeAspect="1"/>
+          </p:cNvPicPr>
+          <p:nvPr/>
+        </p:nvPicPr>
+        <p:blipFill>
+          <a:blip r:embed="rId5">
+            <a:extLst>
+              <a:ext uri="{28A0092B-C50C-407E-A947-70E740481C1C}">
+                <a14:useLocalDpi xmlns:a14="http://schemas.microsoft.com/office/drawing/2010/main" val="0"/>
+              </a:ext>
+            </a:extLst>
+          </a:blip>
+          <a:stretch>
+            <a:fillRect/>
+          </a:stretch>
+        </p:blipFill>
+        <p:spPr>
+          <a:xfrm>
+            <a:off x="1045029" y="463471"/>
+            <a:ext cx="3851436" cy="3851436"/>
           </a:xfrm>
           <a:prstGeom prst="rect">
             <a:avLst/>

--- a/Doc/Poster/ME493 Poster.pptx
+++ b/Doc/Poster/ME493 Poster.pptx
@@ -852,7 +852,7 @@
               </a14:hiddenFill>
             </a:ext>
             <a:ext uri="{FAA26D3D-D897-4be2-8F04-BA451C77F1D7}">
-              <ma14:placeholderFlag xmlns="" xmlns:ma14="http://schemas.microsoft.com/office/mac/drawingml/2011/main" val="1"/>
+              <ma14:placeholderFlag xmlns:ma14="http://schemas.microsoft.com/office/mac/drawingml/2011/main" xmlns="" val="1"/>
             </a:ext>
           </a:extLst>
         </p:spPr>
@@ -3732,7 +3732,7 @@
               </a14:hiddenLine>
             </a:ext>
             <a:ext uri="{FAA26D3D-D897-4be2-8F04-BA451C77F1D7}">
-              <ma14:placeholderFlag xmlns="" xmlns:ma14="http://schemas.microsoft.com/office/mac/drawingml/2011/main" val="1"/>
+              <ma14:placeholderFlag xmlns:ma14="http://schemas.microsoft.com/office/mac/drawingml/2011/main" xmlns="" val="1"/>
             </a:ext>
           </a:extLst>
         </p:spPr>
@@ -3793,7 +3793,7 @@
               </a14:hiddenLine>
             </a:ext>
             <a:ext uri="{FAA26D3D-D897-4be2-8F04-BA451C77F1D7}">
-              <ma14:placeholderFlag xmlns="" xmlns:ma14="http://schemas.microsoft.com/office/mac/drawingml/2011/main" val="1"/>
+              <ma14:placeholderFlag xmlns:ma14="http://schemas.microsoft.com/office/mac/drawingml/2011/main" xmlns="" val="1"/>
             </a:ext>
           </a:extLst>
         </p:spPr>
@@ -4427,8 +4427,8 @@
         </p:nvSpPr>
         <p:spPr bwMode="auto">
           <a:xfrm>
-            <a:off x="1045029" y="7558704"/>
-            <a:ext cx="10012680" cy="3266612"/>
+            <a:off x="1045029" y="6821617"/>
+            <a:ext cx="10012680" cy="3803025"/>
           </a:xfrm>
           <a:prstGeom prst="rect">
             <a:avLst/>
@@ -4589,12 +4589,14 @@
             </a:pPr>
             <a:r>
               <a:rPr lang="en-US" altLang="x-none" sz="4400" b="1" dirty="0" smtClean="0">
-                <a:latin typeface="+mj-lt"/>
+                <a:latin typeface="Helvetica" panose="020B0604020202020204" pitchFamily="34" charset="0"/>
+                <a:cs typeface="Helvetica" panose="020B0604020202020204" pitchFamily="34" charset="0"/>
               </a:rPr>
               <a:t>Project Objective Statement</a:t>
             </a:r>
             <a:endParaRPr lang="en-US" altLang="x-none" sz="4400" b="1" dirty="0">
-              <a:latin typeface="+mj-lt"/>
+              <a:latin typeface="Helvetica" panose="020B0604020202020204" pitchFamily="34" charset="0"/>
+              <a:cs typeface="Helvetica" panose="020B0604020202020204" pitchFamily="34" charset="0"/>
             </a:endParaRPr>
           </a:p>
           <a:p>
@@ -4603,11 +4605,43 @@
                 <a:spcPct val="10000"/>
               </a:spcBef>
             </a:pPr>
-            <a:r>
-              <a:rPr lang="en-US" sz="2400" dirty="0">
-                <a:latin typeface="+mj-lt"/>
-              </a:rPr>
-              <a:t>The goal of the EFS project is to design, build, and test an electric feed system using COTS parts and in-house manufacturing for the PSAS LV4 liquid fueled bi-propellant rocket engine prototype by June 6, 2017.</a:t>
+            <a:endParaRPr lang="en-US" sz="2400" dirty="0" smtClean="0">
+              <a:latin typeface="+mj-lt"/>
+            </a:endParaRPr>
+          </a:p>
+          <a:p>
+            <a:pPr eaLnBrk="1" hangingPunct="1">
+              <a:spcBef>
+                <a:spcPct val="10000"/>
+              </a:spcBef>
+            </a:pPr>
+            <a:r>
+              <a:rPr lang="en-US" sz="2800" dirty="0" smtClean="0">
+                <a:latin typeface="Helvetica" panose="020B0604020202020204" pitchFamily="34" charset="0"/>
+                <a:cs typeface="Helvetica" panose="020B0604020202020204" pitchFamily="34" charset="0"/>
+              </a:rPr>
+              <a:t>The </a:t>
+            </a:r>
+            <a:r>
+              <a:rPr lang="en-US" sz="2800" dirty="0">
+                <a:latin typeface="Helvetica" panose="020B0604020202020204" pitchFamily="34" charset="0"/>
+                <a:cs typeface="Helvetica" panose="020B0604020202020204" pitchFamily="34" charset="0"/>
+              </a:rPr>
+              <a:t>goal of the EFS project is to design, build, and test an electric </a:t>
+            </a:r>
+            <a:r>
+              <a:rPr lang="en-US" sz="2800" dirty="0" smtClean="0">
+                <a:latin typeface="Helvetica" panose="020B0604020202020204" pitchFamily="34" charset="0"/>
+                <a:cs typeface="Helvetica" panose="020B0604020202020204" pitchFamily="34" charset="0"/>
+              </a:rPr>
+              <a:t>propellant feed </a:t>
+            </a:r>
+            <a:r>
+              <a:rPr lang="en-US" sz="2800" dirty="0">
+                <a:latin typeface="Helvetica" panose="020B0604020202020204" pitchFamily="34" charset="0"/>
+                <a:cs typeface="Helvetica" panose="020B0604020202020204" pitchFamily="34" charset="0"/>
+              </a:rPr>
+              <a:t>system using COTS parts and in-house manufacturing for the PSAS LV4 liquid fueled bi-propellant rocket engine prototype by June 6, 2017.</a:t>
             </a:r>
             <a:r>
               <a:rPr lang="en-US" altLang="x-none" sz="2400" dirty="0">
@@ -4644,8 +4678,8 @@
         </p:nvSpPr>
         <p:spPr bwMode="auto">
           <a:xfrm>
-            <a:off x="1045029" y="20806179"/>
-            <a:ext cx="10012680" cy="6255079"/>
+            <a:off x="1045029" y="20077431"/>
+            <a:ext cx="10012680" cy="7621270"/>
           </a:xfrm>
           <a:prstGeom prst="rect">
             <a:avLst/>
@@ -4809,10 +4843,28 @@
                 <a:solidFill>
                   <a:srgbClr val="000000"/>
                 </a:solidFill>
-                <a:latin typeface="+mn-lt"/>
-              </a:rPr>
-              <a:t>Key Customer Requirements</a:t>
-            </a:r>
+                <a:latin typeface="Helvetica" panose="020B0604020202020204" pitchFamily="34" charset="0"/>
+                <a:cs typeface="Helvetica" panose="020B0604020202020204" pitchFamily="34" charset="0"/>
+              </a:rPr>
+              <a:t>Key Customer </a:t>
+            </a:r>
+            <a:r>
+              <a:rPr lang="en-US" altLang="x-none" sz="4400" b="1" dirty="0" smtClean="0">
+                <a:solidFill>
+                  <a:srgbClr val="000000"/>
+                </a:solidFill>
+                <a:latin typeface="Helvetica" panose="020B0604020202020204" pitchFamily="34" charset="0"/>
+                <a:cs typeface="Helvetica" panose="020B0604020202020204" pitchFamily="34" charset="0"/>
+              </a:rPr>
+              <a:t>Requirements</a:t>
+            </a:r>
+          </a:p>
+          <a:p>
+            <a:pPr algn="just" eaLnBrk="1" hangingPunct="1">
+              <a:spcBef>
+                <a:spcPts val="400"/>
+              </a:spcBef>
+            </a:pPr>
             <a:r>
               <a:rPr lang="en-US" altLang="x-none" sz="2057" dirty="0">
                 <a:solidFill>
@@ -4825,19 +4877,6 @@
             <a:endParaRPr lang="en-US" altLang="x-none" sz="2057" dirty="0">
               <a:latin typeface="+mn-lt"/>
             </a:endParaRPr>
-          </a:p>
-          <a:p>
-            <a:pPr eaLnBrk="1" hangingPunct="1">
-              <a:spcBef>
-                <a:spcPct val="10000"/>
-              </a:spcBef>
-            </a:pPr>
-            <a:r>
-              <a:rPr lang="en-US" altLang="x-none" sz="2800" dirty="0" smtClean="0">
-                <a:latin typeface="+mn-lt"/>
-              </a:rPr>
-              <a:t>List 3-5 key requirements in abbreviated form. No long explanations! Use words another engineering student or someone unfamiliar with your project would understand.</a:t>
-            </a:r>
           </a:p>
           <a:p>
             <a:pPr marL="457200" indent="-457200" eaLnBrk="1" hangingPunct="1">
@@ -4849,9 +4888,24 @@
             </a:pPr>
             <a:r>
               <a:rPr lang="en-US" altLang="x-none" sz="2800" dirty="0" smtClean="0">
-                <a:latin typeface="+mn-lt"/>
-              </a:rPr>
-              <a:t>Faster than a speeding bullet</a:t>
+                <a:latin typeface="Helvetica" panose="020B0604020202020204" pitchFamily="34" charset="0"/>
+                <a:cs typeface="Helvetica" panose="020B0604020202020204" pitchFamily="34" charset="0"/>
+              </a:rPr>
+              <a:t>Design, build and test </a:t>
+            </a:r>
+            <a:r>
+              <a:rPr lang="en-US" altLang="x-none" sz="2800" dirty="0">
+                <a:latin typeface="Helvetica" panose="020B0604020202020204" pitchFamily="34" charset="0"/>
+                <a:cs typeface="Helvetica" panose="020B0604020202020204" pitchFamily="34" charset="0"/>
+              </a:rPr>
+              <a:t>a technology development platform for the </a:t>
+            </a:r>
+            <a:r>
+              <a:rPr lang="en-US" altLang="x-none" sz="2800" dirty="0" smtClean="0">
+                <a:latin typeface="Helvetica" panose="020B0604020202020204" pitchFamily="34" charset="0"/>
+                <a:cs typeface="Helvetica" panose="020B0604020202020204" pitchFamily="34" charset="0"/>
+              </a:rPr>
+              <a:t>electronic propellant feed system</a:t>
             </a:r>
           </a:p>
           <a:p>
@@ -4864,9 +4918,17 @@
             </a:pPr>
             <a:r>
               <a:rPr lang="en-US" altLang="x-none" sz="2800" dirty="0" smtClean="0">
-                <a:latin typeface="+mn-lt"/>
-              </a:rPr>
-              <a:t>More powerful than a locomotive</a:t>
+                <a:latin typeface="Helvetica" panose="020B0604020202020204" pitchFamily="34" charset="0"/>
+                <a:cs typeface="Helvetica" panose="020B0604020202020204" pitchFamily="34" charset="0"/>
+              </a:rPr>
+              <a:t>Design a pump capable of delivering 350 psi of pressure to the </a:t>
+            </a:r>
+            <a:r>
+              <a:rPr lang="en-US" altLang="x-none" sz="2800" dirty="0" smtClean="0">
+                <a:latin typeface="Helvetica" panose="020B0604020202020204" pitchFamily="34" charset="0"/>
+                <a:cs typeface="Helvetica" panose="020B0604020202020204" pitchFamily="34" charset="0"/>
+              </a:rPr>
+              <a:t>combustion chamber of the LV4 rocket</a:t>
             </a:r>
           </a:p>
           <a:p>
@@ -4879,9 +4941,10 @@
             </a:pPr>
             <a:r>
               <a:rPr lang="en-US" altLang="x-none" sz="2800" dirty="0" smtClean="0">
-                <a:latin typeface="+mn-lt"/>
-              </a:rPr>
-              <a:t>Compatible with iOS and Android</a:t>
+                <a:latin typeface="Helvetica" panose="020B0604020202020204" pitchFamily="34" charset="0"/>
+                <a:cs typeface="Helvetica" panose="020B0604020202020204" pitchFamily="34" charset="0"/>
+              </a:rPr>
+              <a:t>Design a pump capable of delivering roughly 11 gpm of liquid to the engine</a:t>
             </a:r>
           </a:p>
           <a:p>
@@ -4894,9 +4957,10 @@
             </a:pPr>
             <a:r>
               <a:rPr lang="en-US" altLang="x-none" sz="2800" dirty="0" smtClean="0">
-                <a:latin typeface="+mn-lt"/>
-              </a:rPr>
-              <a:t>Waterproof!</a:t>
+                <a:latin typeface="Helvetica" panose="020B0604020202020204" pitchFamily="34" charset="0"/>
+                <a:cs typeface="Helvetica" panose="020B0604020202020204" pitchFamily="34" charset="0"/>
+              </a:rPr>
+              <a:t>Pump performance characterization</a:t>
             </a:r>
           </a:p>
           <a:p>
@@ -4909,22 +4973,30 @@
             </a:pPr>
             <a:r>
               <a:rPr lang="en-US" altLang="x-none" sz="2800" dirty="0" smtClean="0">
-                <a:latin typeface="+mn-lt"/>
-              </a:rPr>
-              <a:t>Goes well with plaid and stripes</a:t>
-            </a:r>
-            <a:endParaRPr lang="en-US" altLang="x-none" sz="2800" dirty="0">
-              <a:latin typeface="+mn-lt"/>
-            </a:endParaRPr>
-          </a:p>
-          <a:p>
-            <a:pPr eaLnBrk="1" hangingPunct="1">
+                <a:latin typeface="Helvetica" panose="020B0604020202020204" pitchFamily="34" charset="0"/>
+                <a:cs typeface="Helvetica" panose="020B0604020202020204" pitchFamily="34" charset="0"/>
+              </a:rPr>
+              <a:t>Scalable proof of concept design for future iterations</a:t>
+            </a:r>
+          </a:p>
+          <a:p>
+            <a:pPr marL="457200" indent="-457200" eaLnBrk="1" hangingPunct="1">
               <a:spcBef>
                 <a:spcPct val="10000"/>
               </a:spcBef>
+              <a:buFont typeface="Arial" charset="0"/>
+              <a:buChar char="•"/>
             </a:pPr>
-            <a:endParaRPr lang="en-US" altLang="x-none" sz="2400" dirty="0">
-              <a:latin typeface="Times New Roman" charset="0"/>
+            <a:r>
+              <a:rPr lang="en-US" altLang="x-none" sz="2800" dirty="0" smtClean="0">
+                <a:latin typeface="Helvetica" panose="020B0604020202020204" pitchFamily="34" charset="0"/>
+                <a:cs typeface="Helvetica" panose="020B0604020202020204" pitchFamily="34" charset="0"/>
+              </a:rPr>
+              <a:t>Open source documentation, design artifacts and build information</a:t>
+            </a:r>
+            <a:endParaRPr lang="en-US" altLang="x-none" sz="2800" dirty="0" smtClean="0">
+              <a:latin typeface="Helvetica" panose="020B0604020202020204" pitchFamily="34" charset="0"/>
+              <a:cs typeface="Helvetica" panose="020B0604020202020204" pitchFamily="34" charset="0"/>
             </a:endParaRPr>
           </a:p>
         </p:txBody>
@@ -4939,7 +5011,7 @@
         </p:nvSpPr>
         <p:spPr bwMode="auto">
           <a:xfrm>
-            <a:off x="11847739" y="27996129"/>
+            <a:off x="11847739" y="28169558"/>
             <a:ext cx="9601200" cy="3918857"/>
           </a:xfrm>
           <a:prstGeom prst="rect">
@@ -5073,11 +5145,12 @@
               </a:spcBef>
             </a:pPr>
             <a:r>
-              <a:rPr lang="en-US" altLang="x-none" sz="4400" b="1" dirty="0">
+              <a:rPr lang="en-US" altLang="x-none" sz="4400" b="1" dirty="0" smtClean="0">
                 <a:solidFill>
                   <a:srgbClr val="000000"/>
                 </a:solidFill>
-                <a:latin typeface="+mn-lt"/>
+                <a:latin typeface="Helvetica" panose="020B0604020202020204" pitchFamily="34" charset="0"/>
+                <a:cs typeface="Helvetica" panose="020B0604020202020204" pitchFamily="34" charset="0"/>
               </a:rPr>
               <a:t>Acknowledgments</a:t>
             </a:r>
@@ -5085,15 +5158,60 @@
           <a:p>
             <a:pPr eaLnBrk="1" hangingPunct="1">
               <a:spcBef>
-                <a:spcPct val="10000"/>
+                <a:spcPct val="50000"/>
               </a:spcBef>
             </a:pPr>
             <a:r>
               <a:rPr lang="en-US" altLang="x-none" sz="2800" dirty="0" smtClean="0">
-                <a:latin typeface="+mn-lt"/>
-              </a:rPr>
-              <a:t>List people and companies that provided resources and assistance. For example this would be a good place to acknowledge your external sponsor and be specific about how they helped you.</a:t>
-            </a:r>
+                <a:solidFill>
+                  <a:srgbClr val="000000"/>
+                </a:solidFill>
+                <a:latin typeface="Helvetica" panose="020B0604020202020204" pitchFamily="34" charset="0"/>
+                <a:cs typeface="Helvetica" panose="020B0604020202020204" pitchFamily="34" charset="0"/>
+              </a:rPr>
+              <a:t>Mike Chung</a:t>
+            </a:r>
+          </a:p>
+          <a:p>
+            <a:pPr eaLnBrk="1" hangingPunct="1">
+              <a:spcBef>
+                <a:spcPct val="50000"/>
+              </a:spcBef>
+            </a:pPr>
+            <a:r>
+              <a:rPr lang="en-US" altLang="x-none" sz="2800" dirty="0" smtClean="0">
+                <a:solidFill>
+                  <a:srgbClr val="000000"/>
+                </a:solidFill>
+                <a:latin typeface="Helvetica" panose="020B0604020202020204" pitchFamily="34" charset="0"/>
+                <a:cs typeface="Helvetica" panose="020B0604020202020204" pitchFamily="34" charset="0"/>
+              </a:rPr>
+              <a:t>Chris </a:t>
+            </a:r>
+          </a:p>
+          <a:p>
+            <a:pPr eaLnBrk="1" hangingPunct="1">
+              <a:spcBef>
+                <a:spcPct val="50000"/>
+              </a:spcBef>
+            </a:pPr>
+            <a:r>
+              <a:rPr lang="en-US" altLang="x-none" sz="2800" dirty="0" err="1" smtClean="0">
+                <a:solidFill>
+                  <a:srgbClr val="000000"/>
+                </a:solidFill>
+                <a:latin typeface="Helvetica" panose="020B0604020202020204" pitchFamily="34" charset="0"/>
+                <a:cs typeface="Helvetica" panose="020B0604020202020204" pitchFamily="34" charset="0"/>
+              </a:rPr>
+              <a:t>Haneef</a:t>
+            </a:r>
+            <a:endParaRPr lang="en-US" altLang="x-none" sz="2800" dirty="0">
+              <a:solidFill>
+                <a:srgbClr val="000000"/>
+              </a:solidFill>
+              <a:latin typeface="Helvetica" panose="020B0604020202020204" pitchFamily="34" charset="0"/>
+              <a:cs typeface="Helvetica" panose="020B0604020202020204" pitchFamily="34" charset="0"/>
+            </a:endParaRPr>
           </a:p>
         </p:txBody>
       </p:sp>
@@ -5107,7 +5225,7 @@
         </p:nvSpPr>
         <p:spPr bwMode="auto">
           <a:xfrm>
-            <a:off x="11847739" y="7494575"/>
+            <a:off x="11847739" y="6757553"/>
             <a:ext cx="20116800" cy="19719712"/>
           </a:xfrm>
           <a:prstGeom prst="rect">
@@ -5353,7 +5471,7 @@
         </p:nvSpPr>
         <p:spPr bwMode="auto">
           <a:xfrm>
-            <a:off x="33029979" y="7558705"/>
+            <a:off x="33029979" y="6821620"/>
             <a:ext cx="10012680" cy="12440864"/>
           </a:xfrm>
           <a:prstGeom prst="rect">
@@ -5518,7 +5636,8 @@
                 <a:solidFill>
                   <a:srgbClr val="000000"/>
                 </a:solidFill>
-                <a:latin typeface="+mn-lt"/>
+                <a:latin typeface="Helvetica" panose="020B0604020202020204" pitchFamily="34" charset="0"/>
+                <a:cs typeface="Helvetica" panose="020B0604020202020204" pitchFamily="34" charset="0"/>
               </a:rPr>
               <a:t>Measured Performance</a:t>
             </a:r>
@@ -5526,7 +5645,8 @@
               <a:solidFill>
                 <a:srgbClr val="000000"/>
               </a:solidFill>
-              <a:latin typeface="+mn-lt"/>
+              <a:latin typeface="Helvetica" panose="020B0604020202020204" pitchFamily="34" charset="0"/>
+              <a:cs typeface="Helvetica" panose="020B0604020202020204" pitchFamily="34" charset="0"/>
             </a:endParaRPr>
           </a:p>
           <a:p>
@@ -5537,7 +5657,8 @@
             </a:pPr>
             <a:r>
               <a:rPr lang="en-US" altLang="x-none" sz="2800" dirty="0" smtClean="0">
-                <a:latin typeface="+mn-lt"/>
+                <a:latin typeface="Helvetica" panose="020B0604020202020204" pitchFamily="34" charset="0"/>
+                <a:cs typeface="Helvetica" panose="020B0604020202020204" pitchFamily="34" charset="0"/>
               </a:rPr>
               <a:t>Show concrete, quantitative evidence that your device works. Show how, and to what degree, your design meets the key customer requirements. Plots, photos of the device in action, or tables of results would be good to add. However, do not cram too much information into the space</a:t>
             </a:r>
@@ -5549,7 +5670,8 @@
               </a:spcBef>
             </a:pPr>
             <a:endParaRPr lang="en-US" altLang="x-none" sz="2800" dirty="0">
-              <a:latin typeface="+mn-lt"/>
+              <a:latin typeface="Helvetica" panose="020B0604020202020204" pitchFamily="34" charset="0"/>
+              <a:cs typeface="Helvetica" panose="020B0604020202020204" pitchFamily="34" charset="0"/>
             </a:endParaRPr>
           </a:p>
           <a:p>
@@ -5560,12 +5682,14 @@
             </a:pPr>
             <a:r>
               <a:rPr lang="en-US" altLang="x-none" sz="2800" dirty="0" smtClean="0">
-                <a:latin typeface="+mn-lt"/>
+                <a:latin typeface="Helvetica" panose="020B0604020202020204" pitchFamily="34" charset="0"/>
+                <a:cs typeface="Helvetica" panose="020B0604020202020204" pitchFamily="34" charset="0"/>
               </a:rPr>
               <a:t>This is where you show your convincing evidence for the success of your project</a:t>
             </a:r>
             <a:endParaRPr lang="en-US" altLang="x-none" sz="2800" dirty="0">
-              <a:latin typeface="+mn-lt"/>
+              <a:latin typeface="Helvetica" panose="020B0604020202020204" pitchFamily="34" charset="0"/>
+              <a:cs typeface="Helvetica" panose="020B0604020202020204" pitchFamily="34" charset="0"/>
             </a:endParaRPr>
           </a:p>
         </p:txBody>
@@ -5580,8 +5704,8 @@
         </p:nvSpPr>
         <p:spPr bwMode="auto">
           <a:xfrm>
-            <a:off x="1521692" y="3994545"/>
-            <a:ext cx="40886743" cy="2629290"/>
+            <a:off x="1521692" y="4086878"/>
+            <a:ext cx="40886743" cy="2444624"/>
           </a:xfrm>
           <a:prstGeom prst="rect">
             <a:avLst/>
@@ -5731,28 +5855,11 @@
               </a:spcAft>
             </a:pPr>
             <a:r>
-              <a:rPr lang="en-US" altLang="x-none" sz="6000" b="1" dirty="0" smtClean="0">
-                <a:latin typeface="+mj-lt"/>
-              </a:rPr>
-              <a:t>Team Members: </a:t>
-            </a:r>
-            <a:r>
-              <a:rPr lang="en-US" altLang="x-none" sz="6000" b="1" dirty="0" smtClean="0">
-                <a:latin typeface="+mj-lt"/>
-              </a:rPr>
-              <a:t>John C. Froehlich, Jonathan Talik, James Luce, Rawand Rasheed, Mimi Shang </a:t>
-            </a:r>
-            <a:r>
-              <a:rPr lang="en-US" altLang="x-none" sz="6000" b="1" dirty="0" smtClean="0">
-                <a:latin typeface="+mj-lt"/>
-              </a:rPr>
-              <a:t>and </a:t>
-            </a:r>
-            <a:r>
-              <a:rPr lang="en-US" altLang="x-none" sz="6000" b="1" dirty="0" smtClean="0">
-                <a:latin typeface="+mj-lt"/>
-              </a:rPr>
-              <a:t>Jordan Roland</a:t>
+              <a:rPr lang="en-US" altLang="x-none" sz="5400" b="1" dirty="0" smtClean="0">
+                <a:latin typeface="Helvetica" panose="020B0604020202020204" pitchFamily="34" charset="0"/>
+                <a:cs typeface="Helvetica" panose="020B0604020202020204" pitchFamily="34" charset="0"/>
+              </a:rPr>
+              <a:t>Team Members: John C. Froehlich, Jonathan Talik, James Luce, Rawand Rasheed, Mimi Shang and Jordan Roland</a:t>
             </a:r>
           </a:p>
           <a:p>
@@ -5765,13 +5872,15 @@
               </a:spcAft>
             </a:pPr>
             <a:r>
-              <a:rPr lang="is-IS" altLang="x-none" sz="6000" b="1" dirty="0" smtClean="0">
-                <a:latin typeface="+mj-lt"/>
+              <a:rPr lang="is-IS" altLang="x-none" sz="5400" b="1" dirty="0" smtClean="0">
+                <a:latin typeface="Helvetica" panose="020B0604020202020204" pitchFamily="34" charset="0"/>
+                <a:cs typeface="Helvetica" panose="020B0604020202020204" pitchFamily="34" charset="0"/>
               </a:rPr>
               <a:t>Sponsor: Portland State Aerospace Society</a:t>
             </a:r>
-            <a:endParaRPr lang="en-US" altLang="x-none" sz="6000" dirty="0">
-              <a:latin typeface="+mj-lt"/>
+            <a:endParaRPr lang="en-US" altLang="x-none" sz="5400" dirty="0">
+              <a:latin typeface="Helvetica" panose="020B0604020202020204" pitchFamily="34" charset="0"/>
+              <a:cs typeface="Helvetica" panose="020B0604020202020204" pitchFamily="34" charset="0"/>
             </a:endParaRPr>
           </a:p>
         </p:txBody>
@@ -5786,7 +5895,7 @@
         </p:nvSpPr>
         <p:spPr bwMode="auto">
           <a:xfrm>
-            <a:off x="1045029" y="27996127"/>
+            <a:off x="1045029" y="28169556"/>
             <a:ext cx="10012680" cy="3918857"/>
           </a:xfrm>
           <a:prstGeom prst="rect">
@@ -5820,9 +5929,9 @@
                 <a:solidFill>
                   <a:srgbClr val="000000"/>
                 </a:solidFill>
-                <a:latin typeface="+mn-lt"/>
+                <a:latin typeface="Helvetica" panose="020B0604020202020204" pitchFamily="34" charset="0"/>
                 <a:ea typeface="ＭＳ Ｐゴシック" pitchFamily="-111" charset="-128"/>
-                <a:cs typeface="ＭＳ Ｐゴシック" pitchFamily="-111" charset="-128"/>
+                <a:cs typeface="Helvetica" panose="020B0604020202020204" pitchFamily="34" charset="0"/>
               </a:rPr>
               <a:t>Literature </a:t>
             </a:r>
@@ -5831,9 +5940,9 @@
                 <a:solidFill>
                   <a:srgbClr val="000000"/>
                 </a:solidFill>
-                <a:latin typeface="+mn-lt"/>
+                <a:latin typeface="Helvetica" panose="020B0604020202020204" pitchFamily="34" charset="0"/>
                 <a:ea typeface="ＭＳ Ｐゴシック" pitchFamily="-111" charset="-128"/>
-                <a:cs typeface="ＭＳ Ｐゴシック" pitchFamily="-111" charset="-128"/>
+                <a:cs typeface="Helvetica" panose="020B0604020202020204" pitchFamily="34" charset="0"/>
               </a:rPr>
               <a:t>cited, image credits etc.</a:t>
             </a:r>
@@ -5841,9 +5950,9 @@
               <a:solidFill>
                 <a:srgbClr val="000000"/>
               </a:solidFill>
-              <a:latin typeface="+mn-lt"/>
+              <a:latin typeface="Helvetica" panose="020B0604020202020204" pitchFamily="34" charset="0"/>
               <a:ea typeface="ＭＳ Ｐゴシック" pitchFamily="-111" charset="-128"/>
-              <a:cs typeface="ＭＳ Ｐゴシック" pitchFamily="-111" charset="-128"/>
+              <a:cs typeface="Helvetica" panose="020B0604020202020204" pitchFamily="34" charset="0"/>
             </a:endParaRPr>
           </a:p>
           <a:p>
@@ -5856,37 +5965,43 @@
             </a:pPr>
             <a:r>
               <a:rPr lang="en-US" altLang="x-none" sz="2800" dirty="0">
-                <a:latin typeface="+mn-lt"/>
+                <a:latin typeface="Helvetica" panose="020B0604020202020204" pitchFamily="34" charset="0"/>
+                <a:cs typeface="Helvetica" panose="020B0604020202020204" pitchFamily="34" charset="0"/>
               </a:rPr>
               <a:t>This poster template is derived from a template created by Colin </a:t>
             </a:r>
             <a:r>
               <a:rPr lang="en-US" altLang="x-none" sz="2800" dirty="0" err="1">
-                <a:latin typeface="+mn-lt"/>
+                <a:latin typeface="Helvetica" panose="020B0604020202020204" pitchFamily="34" charset="0"/>
+                <a:cs typeface="Helvetica" panose="020B0604020202020204" pitchFamily="34" charset="0"/>
               </a:rPr>
               <a:t>Purrington</a:t>
             </a:r>
             <a:r>
               <a:rPr lang="en-US" altLang="x-none" sz="2800" dirty="0">
-                <a:latin typeface="+mn-lt"/>
+                <a:latin typeface="Helvetica" panose="020B0604020202020204" pitchFamily="34" charset="0"/>
+                <a:cs typeface="Helvetica" panose="020B0604020202020204" pitchFamily="34" charset="0"/>
               </a:rPr>
               <a:t>, which can be found at http://</a:t>
             </a:r>
             <a:r>
               <a:rPr lang="en-US" altLang="x-none" sz="2800" dirty="0" err="1">
-                <a:latin typeface="+mn-lt"/>
+                <a:latin typeface="Helvetica" panose="020B0604020202020204" pitchFamily="34" charset="0"/>
+                <a:cs typeface="Helvetica" panose="020B0604020202020204" pitchFamily="34" charset="0"/>
               </a:rPr>
               <a:t>colinpurrington.com</a:t>
             </a:r>
             <a:r>
               <a:rPr lang="en-US" altLang="x-none" sz="2800" dirty="0">
-                <a:latin typeface="+mn-lt"/>
+                <a:latin typeface="Helvetica" panose="020B0604020202020204" pitchFamily="34" charset="0"/>
+                <a:cs typeface="Helvetica" panose="020B0604020202020204" pitchFamily="34" charset="0"/>
               </a:rPr>
               <a:t>/tips/academic/</a:t>
             </a:r>
             <a:r>
               <a:rPr lang="en-US" altLang="x-none" sz="2800" dirty="0" err="1">
-                <a:latin typeface="+mn-lt"/>
+                <a:latin typeface="Helvetica" panose="020B0604020202020204" pitchFamily="34" charset="0"/>
+                <a:cs typeface="Helvetica" panose="020B0604020202020204" pitchFamily="34" charset="0"/>
               </a:rPr>
               <a:t>posterdesign</a:t>
             </a:r>
@@ -5895,12 +6010,14 @@
                 <a:solidFill>
                   <a:srgbClr val="000000"/>
                 </a:solidFill>
-                <a:latin typeface="+mn-lt"/>
+                <a:latin typeface="Helvetica" panose="020B0604020202020204" pitchFamily="34" charset="0"/>
+                <a:cs typeface="Helvetica" panose="020B0604020202020204" pitchFamily="34" charset="0"/>
               </a:rPr>
               <a:t>. </a:t>
             </a:r>
             <a:endParaRPr lang="en-US" altLang="x-none" sz="2800" dirty="0">
-              <a:latin typeface="+mn-lt"/>
+              <a:latin typeface="Helvetica" panose="020B0604020202020204" pitchFamily="34" charset="0"/>
+              <a:cs typeface="Helvetica" panose="020B0604020202020204" pitchFamily="34" charset="0"/>
             </a:endParaRPr>
           </a:p>
           <a:p>
@@ -5911,25 +6028,25 @@
             </a:pPr>
             <a:r>
               <a:rPr lang="en-US" sz="2800" dirty="0" smtClean="0">
-                <a:latin typeface="+mn-lt"/>
+                <a:latin typeface="Helvetica" panose="020B0604020202020204" pitchFamily="34" charset="0"/>
                 <a:ea typeface="ＭＳ Ｐゴシック" pitchFamily="-111" charset="-128"/>
-                <a:cs typeface="ＭＳ Ｐゴシック" pitchFamily="-111" charset="-128"/>
+                <a:cs typeface="Helvetica" panose="020B0604020202020204" pitchFamily="34" charset="0"/>
               </a:rPr>
               <a:t>B.R. Munson et al., Fundamentals of Fluid Mechanics, 7</a:t>
             </a:r>
             <a:r>
               <a:rPr lang="en-US" sz="2800" baseline="30000" dirty="0" smtClean="0">
-                <a:latin typeface="+mn-lt"/>
+                <a:latin typeface="Helvetica" panose="020B0604020202020204" pitchFamily="34" charset="0"/>
                 <a:ea typeface="ＭＳ Ｐゴシック" pitchFamily="-111" charset="-128"/>
-                <a:cs typeface="ＭＳ Ｐゴシック" pitchFamily="-111" charset="-128"/>
+                <a:cs typeface="Helvetica" panose="020B0604020202020204" pitchFamily="34" charset="0"/>
               </a:rPr>
               <a:t>th</a:t>
             </a:r>
             <a:r>
               <a:rPr lang="en-US" sz="2800" dirty="0" smtClean="0">
-                <a:latin typeface="+mn-lt"/>
+                <a:latin typeface="Helvetica" panose="020B0604020202020204" pitchFamily="34" charset="0"/>
                 <a:ea typeface="ＭＳ Ｐゴシック" pitchFamily="-111" charset="-128"/>
-                <a:cs typeface="ＭＳ Ｐゴシック" pitchFamily="-111" charset="-128"/>
+                <a:cs typeface="Helvetica" panose="020B0604020202020204" pitchFamily="34" charset="0"/>
               </a:rPr>
               <a:t> ed., 2012, Wiley.</a:t>
             </a:r>
@@ -5969,8 +6086,8 @@
         </p:nvSpPr>
         <p:spPr bwMode="auto">
           <a:xfrm>
-            <a:off x="33003309" y="27856418"/>
-            <a:ext cx="10039350" cy="4058566"/>
+            <a:off x="33029979" y="28052928"/>
+            <a:ext cx="10012680" cy="4058566"/>
           </a:xfrm>
           <a:prstGeom prst="rect">
             <a:avLst/>
@@ -6103,9 +6220,20 @@
                 <a:solidFill>
                   <a:srgbClr val="000000"/>
                 </a:solidFill>
-                <a:latin typeface="+mn-lt"/>
-              </a:rPr>
-              <a:t>Further information</a:t>
+                <a:latin typeface="Helvetica" panose="020B0604020202020204" pitchFamily="34" charset="0"/>
+                <a:cs typeface="Helvetica" panose="020B0604020202020204" pitchFamily="34" charset="0"/>
+              </a:rPr>
+              <a:t>Further </a:t>
+            </a:r>
+            <a:r>
+              <a:rPr lang="en-US" altLang="x-none" sz="4400" b="1" dirty="0" smtClean="0">
+                <a:solidFill>
+                  <a:srgbClr val="000000"/>
+                </a:solidFill>
+                <a:latin typeface="Helvetica" panose="020B0604020202020204" pitchFamily="34" charset="0"/>
+                <a:cs typeface="Helvetica" panose="020B0604020202020204" pitchFamily="34" charset="0"/>
+              </a:rPr>
+              <a:t>information</a:t>
             </a:r>
           </a:p>
           <a:p>
@@ -6115,48 +6243,20 @@
               </a:spcBef>
             </a:pPr>
             <a:r>
+              <a:rPr lang="en-US" altLang="x-none" sz="2800" dirty="0" smtClean="0">
+                <a:latin typeface="+mn-lt"/>
+              </a:rPr>
+              <a:t>https</a:t>
+            </a:r>
+            <a:r>
               <a:rPr lang="en-US" altLang="x-none" sz="2800" dirty="0">
                 <a:latin typeface="+mn-lt"/>
               </a:rPr>
-              <a:t>Provide web site or email address information that will allow interested readers to contact you.</a:t>
-            </a:r>
-          </a:p>
-          <a:p>
-            <a:pPr eaLnBrk="1" hangingPunct="1">
-              <a:spcBef>
-                <a:spcPct val="10000"/>
-              </a:spcBef>
-            </a:pPr>
-            <a:r>
-              <a:rPr lang="en-US" altLang="x-none" sz="2800" dirty="0">
-                <a:latin typeface="+mn-lt"/>
-              </a:rPr>
-              <a:t>See http://</a:t>
-            </a:r>
-            <a:r>
-              <a:rPr lang="en-US" altLang="x-none" sz="2800" dirty="0" err="1">
-                <a:latin typeface="+mn-lt"/>
-              </a:rPr>
-              <a:t>web.cecs.pdx.edu</a:t>
-            </a:r>
-            <a:r>
-              <a:rPr lang="en-US" altLang="x-none" sz="2800" dirty="0">
-                <a:latin typeface="+mn-lt"/>
-              </a:rPr>
-              <a:t>/~</a:t>
-            </a:r>
-            <a:r>
-              <a:rPr lang="en-US" altLang="x-none" sz="2800" dirty="0" err="1">
-                <a:latin typeface="+mn-lt"/>
-              </a:rPr>
-              <a:t>gerry</a:t>
-            </a:r>
-            <a:r>
-              <a:rPr lang="en-US" altLang="x-none" sz="2800" dirty="0">
-                <a:latin typeface="+mn-lt"/>
-              </a:rPr>
-              <a:t>/class/ME493/projects/</a:t>
-            </a:r>
+              <a:t>://github.com/psas/electric-feed-system</a:t>
+            </a:r>
+            <a:endParaRPr lang="en-US" altLang="x-none" sz="2800" dirty="0">
+              <a:latin typeface="+mn-lt"/>
+            </a:endParaRPr>
           </a:p>
           <a:p>
             <a:pPr eaLnBrk="1" hangingPunct="1">
@@ -6190,8 +6290,8 @@
         </p:nvSpPr>
         <p:spPr bwMode="auto">
           <a:xfrm>
-            <a:off x="660627" y="1554145"/>
-            <a:ext cx="42386250" cy="1569660"/>
+            <a:off x="660627" y="1407951"/>
+            <a:ext cx="42386250" cy="1862048"/>
           </a:xfrm>
           <a:prstGeom prst="rect">
             <a:avLst/>
@@ -6202,14 +6302,14 @@
           </a:ln>
           <a:extLst>
             <a:ext uri="{909E8E84-426E-40dd-AFC4-6F175D3DCCD1}">
-              <a14:hiddenFill xmlns:a14="http://schemas.microsoft.com/office/drawing/2010/main" xmlns="">
+              <a14:hiddenFill xmlns="" xmlns:a14="http://schemas.microsoft.com/office/drawing/2010/main">
                 <a:solidFill>
                   <a:srgbClr val="FFFFFF"/>
                 </a:solidFill>
               </a14:hiddenFill>
             </a:ext>
             <a:ext uri="{91240B29-F687-4f45-9708-019B960494DF}">
-              <a14:hiddenLine xmlns:a14="http://schemas.microsoft.com/office/drawing/2010/main" xmlns="" w="9525">
+              <a14:hiddenLine xmlns="" xmlns:a14="http://schemas.microsoft.com/office/drawing/2010/main" w="9525">
                 <a:solidFill>
                   <a:srgbClr val="000000"/>
                 </a:solidFill>
@@ -6230,41 +6330,31 @@
               <a:defRPr/>
             </a:pPr>
             <a:r>
-              <a:rPr lang="en-US" sz="9600" b="1" dirty="0" smtClean="0">
+              <a:rPr lang="en-US" sz="11500" b="1" dirty="0" smtClean="0">
                 <a:ln>
                   <a:solidFill>
                     <a:schemeClr val="bg1"/>
                   </a:solidFill>
                 </a:ln>
-                <a:latin typeface="+mj-lt"/>
+                <a:latin typeface="+mn-lt"/>
                 <a:ea typeface="ＭＳ Ｐゴシック" charset="0"/>
-                <a:cs typeface="ＭＳ Ｐゴシック" charset="0"/>
+                <a:cs typeface="Helvetica" panose="020B0604020202020204" pitchFamily="34" charset="0"/>
               </a:rPr>
               <a:t>Electronic Propellant Feed Syste</a:t>
             </a:r>
             <a:r>
-              <a:rPr lang="en-US" sz="9600" b="1" dirty="0">
+              <a:rPr lang="en-US" sz="11500" b="1" dirty="0">
                 <a:ln>
                   <a:solidFill>
                     <a:schemeClr val="bg1"/>
                   </a:solidFill>
                 </a:ln>
-                <a:latin typeface="+mj-lt"/>
+                <a:latin typeface="+mn-lt"/>
                 <a:ea typeface="ＭＳ Ｐゴシック" charset="0"/>
-                <a:cs typeface="ＭＳ Ｐゴシック" charset="0"/>
+                <a:cs typeface="Helvetica" panose="020B0604020202020204" pitchFamily="34" charset="0"/>
               </a:rPr>
               <a:t>m</a:t>
             </a:r>
-            <a:endParaRPr lang="en-US" sz="9600" b="1" dirty="0">
-              <a:ln>
-                <a:solidFill>
-                  <a:schemeClr val="bg1"/>
-                </a:solidFill>
-              </a:ln>
-              <a:latin typeface="+mj-lt"/>
-              <a:ea typeface="ＭＳ Ｐゴシック" charset="0"/>
-              <a:cs typeface="ＭＳ Ｐゴシック" charset="0"/>
-            </a:endParaRPr>
           </a:p>
         </p:txBody>
       </p:sp>
@@ -6278,8 +6368,8 @@
         </p:nvSpPr>
         <p:spPr bwMode="auto">
           <a:xfrm>
-            <a:off x="1045029" y="11760185"/>
-            <a:ext cx="10012680" cy="8111125"/>
+            <a:off x="1045029" y="11002629"/>
+            <a:ext cx="10012680" cy="8696816"/>
           </a:xfrm>
           <a:prstGeom prst="rect">
             <a:avLst/>
@@ -6440,79 +6530,19 @@
             </a:pPr>
             <a:r>
               <a:rPr lang="en-US" altLang="x-none" sz="4400" b="1" dirty="0" smtClean="0">
-                <a:latin typeface="+mj-lt"/>
+                <a:latin typeface="Helvetica" panose="020B0604020202020204" pitchFamily="34" charset="0"/>
+                <a:cs typeface="Helvetica" panose="020B0604020202020204" pitchFamily="34" charset="0"/>
               </a:rPr>
               <a:t>Motivation</a:t>
             </a:r>
-            <a:endParaRPr lang="en-US" altLang="x-none" sz="4400" b="1" dirty="0">
-              <a:latin typeface="+mj-lt"/>
-            </a:endParaRPr>
-          </a:p>
-          <a:p>
-            <a:pPr eaLnBrk="1" hangingPunct="1">
+          </a:p>
+          <a:p>
+            <a:pPr algn="just" eaLnBrk="1" hangingPunct="1">
               <a:spcBef>
-                <a:spcPct val="10000"/>
+                <a:spcPct val="50000"/>
               </a:spcBef>
             </a:pPr>
-            <a:r>
-              <a:rPr lang="en-US" altLang="ja-JP" sz="2800" dirty="0" smtClean="0">
-                <a:latin typeface="+mj-lt"/>
-              </a:rPr>
-              <a:t>Why is this important? You may want to replace the “Motivation” heading with something short and specific like “Reducing energy consumption” or “Automated pool rescue” (without the quotes).</a:t>
-            </a:r>
-          </a:p>
-          <a:p>
-            <a:pPr eaLnBrk="1" hangingPunct="1">
-              <a:spcBef>
-                <a:spcPct val="10000"/>
-              </a:spcBef>
-            </a:pPr>
-            <a:endParaRPr lang="en-US" altLang="ja-JP" sz="2800" dirty="0" smtClean="0">
-              <a:latin typeface="+mj-lt"/>
-            </a:endParaRPr>
-          </a:p>
-          <a:p>
-            <a:pPr eaLnBrk="1" hangingPunct="1">
-              <a:spcBef>
-                <a:spcPct val="10000"/>
-              </a:spcBef>
-            </a:pPr>
-            <a:r>
-              <a:rPr lang="en-US" altLang="ja-JP" sz="2800" dirty="0" smtClean="0">
-                <a:latin typeface="+mj-lt"/>
-              </a:rPr>
-              <a:t>After the heading, provide a brief, say 20 word, explanation or key fact.</a:t>
-            </a:r>
-          </a:p>
-          <a:p>
-            <a:pPr eaLnBrk="1" hangingPunct="1">
-              <a:spcBef>
-                <a:spcPct val="10000"/>
-              </a:spcBef>
-            </a:pPr>
-            <a:r>
-              <a:rPr lang="en-US" altLang="ja-JP" sz="2800" dirty="0" smtClean="0">
-                <a:latin typeface="+mj-lt"/>
-              </a:rPr>
-              <a:t>A picture or a plot that represents or shows the “problem” would be effective. Adjust the height of this box as necessary. For example, you probably need to make the box taller if you use a picture.</a:t>
-            </a:r>
-            <a:endParaRPr lang="en-US" altLang="ja-JP" sz="2400" dirty="0">
-              <a:latin typeface="+mj-lt"/>
-            </a:endParaRPr>
-          </a:p>
-          <a:p>
-            <a:pPr eaLnBrk="1" hangingPunct="1">
-              <a:spcBef>
-                <a:spcPct val="10000"/>
-              </a:spcBef>
-            </a:pPr>
-            <a:r>
-              <a:rPr lang="en-US" altLang="x-none" sz="2400" dirty="0">
-                <a:latin typeface="+mj-lt"/>
-              </a:rPr>
-              <a:t>		</a:t>
-            </a:r>
-            <a:endParaRPr lang="en-US" altLang="x-none" sz="2400" i="1" dirty="0">
+            <a:endParaRPr lang="en-US" altLang="x-none" sz="2400" i="1" dirty="0" smtClean="0">
               <a:solidFill>
                 <a:schemeClr val="accent2"/>
               </a:solidFill>
@@ -6520,13 +6550,158 @@
             </a:endParaRPr>
           </a:p>
           <a:p>
-            <a:pPr eaLnBrk="1" hangingPunct="1">
-              <a:spcBef>
-                <a:spcPct val="10000"/>
-              </a:spcBef>
-            </a:pPr>
-            <a:endParaRPr lang="en-US" altLang="x-none" sz="2400" dirty="0">
-              <a:latin typeface="Times New Roman" charset="0"/>
+            <a:r>
+              <a:rPr lang="en-US" sz="2800" dirty="0" smtClean="0">
+                <a:latin typeface="Helvetica" panose="020B0604020202020204" pitchFamily="34" charset="0"/>
+                <a:cs typeface="Helvetica" panose="020B0604020202020204" pitchFamily="34" charset="0"/>
+              </a:rPr>
+              <a:t>For several decades </a:t>
+            </a:r>
+            <a:r>
+              <a:rPr lang="en-US" sz="2800" dirty="0">
+                <a:latin typeface="Helvetica" panose="020B0604020202020204" pitchFamily="34" charset="0"/>
+                <a:cs typeface="Helvetica" panose="020B0604020202020204" pitchFamily="34" charset="0"/>
+              </a:rPr>
+              <a:t>the systems to impel propellants </a:t>
+            </a:r>
+            <a:r>
+              <a:rPr lang="en-US" sz="2800" dirty="0" smtClean="0">
+                <a:latin typeface="Helvetica" panose="020B0604020202020204" pitchFamily="34" charset="0"/>
+                <a:cs typeface="Helvetica" panose="020B0604020202020204" pitchFamily="34" charset="0"/>
+              </a:rPr>
+              <a:t>inside the </a:t>
+            </a:r>
+            <a:r>
+              <a:rPr lang="en-US" sz="2800" dirty="0">
+                <a:latin typeface="Helvetica" panose="020B0604020202020204" pitchFamily="34" charset="0"/>
+                <a:cs typeface="Helvetica" panose="020B0604020202020204" pitchFamily="34" charset="0"/>
+              </a:rPr>
+              <a:t>combustion </a:t>
+            </a:r>
+            <a:r>
+              <a:rPr lang="en-US" sz="2800" dirty="0" smtClean="0">
+                <a:latin typeface="Helvetica" panose="020B0604020202020204" pitchFamily="34" charset="0"/>
+                <a:cs typeface="Helvetica" panose="020B0604020202020204" pitchFamily="34" charset="0"/>
+              </a:rPr>
+              <a:t>chamber of a liquid fueled rocket are </a:t>
+            </a:r>
+            <a:r>
+              <a:rPr lang="en-US" sz="2800" dirty="0">
+                <a:latin typeface="Helvetica" panose="020B0604020202020204" pitchFamily="34" charset="0"/>
+                <a:cs typeface="Helvetica" panose="020B0604020202020204" pitchFamily="34" charset="0"/>
+              </a:rPr>
+              <a:t>based on the employment of turbo-pumps or a </a:t>
+            </a:r>
+            <a:r>
+              <a:rPr lang="en-US" sz="2800" dirty="0" smtClean="0">
+                <a:latin typeface="Helvetica" panose="020B0604020202020204" pitchFamily="34" charset="0"/>
+                <a:cs typeface="Helvetica" panose="020B0604020202020204" pitchFamily="34" charset="0"/>
+              </a:rPr>
+              <a:t>pressurized gas systems. The complexity and cost of these methods has made building </a:t>
+            </a:r>
+            <a:r>
+              <a:rPr lang="en-US" sz="2800" dirty="0">
+                <a:latin typeface="Helvetica" panose="020B0604020202020204" pitchFamily="34" charset="0"/>
+                <a:cs typeface="Helvetica" panose="020B0604020202020204" pitchFamily="34" charset="0"/>
+              </a:rPr>
+              <a:t>a liquid fuel rocket </a:t>
+            </a:r>
+            <a:r>
+              <a:rPr lang="en-US" sz="2800" dirty="0" smtClean="0">
+                <a:latin typeface="Helvetica" panose="020B0604020202020204" pitchFamily="34" charset="0"/>
+                <a:cs typeface="Helvetica" panose="020B0604020202020204" pitchFamily="34" charset="0"/>
+              </a:rPr>
+              <a:t>financially </a:t>
+            </a:r>
+            <a:r>
+              <a:rPr lang="en-US" sz="2800" dirty="0">
+                <a:latin typeface="Helvetica" panose="020B0604020202020204" pitchFamily="34" charset="0"/>
+                <a:cs typeface="Helvetica" panose="020B0604020202020204" pitchFamily="34" charset="0"/>
+              </a:rPr>
+              <a:t>and </a:t>
+            </a:r>
+            <a:r>
+              <a:rPr lang="en-US" sz="2800" dirty="0" smtClean="0">
+                <a:latin typeface="Helvetica" panose="020B0604020202020204" pitchFamily="34" charset="0"/>
+                <a:cs typeface="Helvetica" panose="020B0604020202020204" pitchFamily="34" charset="0"/>
+              </a:rPr>
+              <a:t>technically difficult for the amateur rocket </a:t>
+            </a:r>
+            <a:r>
+              <a:rPr lang="en-US" sz="2800" dirty="0">
+                <a:latin typeface="Helvetica" panose="020B0604020202020204" pitchFamily="34" charset="0"/>
+                <a:cs typeface="Helvetica" panose="020B0604020202020204" pitchFamily="34" charset="0"/>
+              </a:rPr>
+              <a:t>community. </a:t>
+            </a:r>
+            <a:r>
+              <a:rPr lang="en-US" sz="2800" dirty="0">
+                <a:latin typeface="Helvetica" panose="020B0604020202020204" pitchFamily="34" charset="0"/>
+                <a:cs typeface="Helvetica" panose="020B0604020202020204" pitchFamily="34" charset="0"/>
+              </a:rPr>
+              <a:t>However, in virtue of </a:t>
+            </a:r>
+            <a:r>
+              <a:rPr lang="en-US" sz="2800" dirty="0" smtClean="0">
+                <a:latin typeface="Helvetica" panose="020B0604020202020204" pitchFamily="34" charset="0"/>
+                <a:cs typeface="Helvetica" panose="020B0604020202020204" pitchFamily="34" charset="0"/>
+              </a:rPr>
+              <a:t>the technological </a:t>
+            </a:r>
+            <a:r>
+              <a:rPr lang="en-US" sz="2800" dirty="0">
+                <a:latin typeface="Helvetica" panose="020B0604020202020204" pitchFamily="34" charset="0"/>
+                <a:cs typeface="Helvetica" panose="020B0604020202020204" pitchFamily="34" charset="0"/>
+              </a:rPr>
+              <a:t>advances of the last </a:t>
+            </a:r>
+            <a:r>
+              <a:rPr lang="en-US" sz="2800" dirty="0" smtClean="0">
+                <a:latin typeface="Helvetica" panose="020B0604020202020204" pitchFamily="34" charset="0"/>
+                <a:cs typeface="Helvetica" panose="020B0604020202020204" pitchFamily="34" charset="0"/>
+              </a:rPr>
+              <a:t>17 </a:t>
+            </a:r>
+            <a:r>
+              <a:rPr lang="en-US" sz="2800" dirty="0">
+                <a:latin typeface="Helvetica" panose="020B0604020202020204" pitchFamily="34" charset="0"/>
+                <a:cs typeface="Helvetica" panose="020B0604020202020204" pitchFamily="34" charset="0"/>
+              </a:rPr>
+              <a:t>years in matter of </a:t>
+            </a:r>
+            <a:r>
+              <a:rPr lang="en-US" sz="2800" dirty="0" smtClean="0">
+                <a:latin typeface="Helvetica" panose="020B0604020202020204" pitchFamily="34" charset="0"/>
+                <a:cs typeface="Helvetica" panose="020B0604020202020204" pitchFamily="34" charset="0"/>
+              </a:rPr>
+              <a:t>electric motors and batteries, building small and light weight electric-pump feed systems is possible. The development and demonstration of an electronically powered, high speed centrifugal pump feed system is a </a:t>
+            </a:r>
+            <a:r>
+              <a:rPr lang="en-US" sz="2800" dirty="0">
+                <a:latin typeface="Helvetica" panose="020B0604020202020204" pitchFamily="34" charset="0"/>
+                <a:cs typeface="Helvetica" panose="020B0604020202020204" pitchFamily="34" charset="0"/>
+              </a:rPr>
+              <a:t>step forward in offering low cost, open source bipropellant </a:t>
+            </a:r>
+            <a:r>
+              <a:rPr lang="en-US" sz="2800" dirty="0" smtClean="0">
+                <a:latin typeface="Helvetica" panose="020B0604020202020204" pitchFamily="34" charset="0"/>
+                <a:cs typeface="Helvetica" panose="020B0604020202020204" pitchFamily="34" charset="0"/>
+              </a:rPr>
+              <a:t>rockets capable of reaching low Earth orbit </a:t>
+            </a:r>
+            <a:r>
+              <a:rPr lang="en-US" sz="2800" dirty="0">
+                <a:latin typeface="Helvetica" panose="020B0604020202020204" pitchFamily="34" charset="0"/>
+                <a:cs typeface="Helvetica" panose="020B0604020202020204" pitchFamily="34" charset="0"/>
+              </a:rPr>
+              <a:t>to amateurs and academic rocketry groups. </a:t>
+            </a:r>
+          </a:p>
+          <a:p>
+            <a:pPr algn="just"/>
+            <a:endParaRPr lang="en-US" sz="2400" dirty="0" smtClean="0">
+              <a:latin typeface="+mn-lt"/>
             </a:endParaRPr>
           </a:p>
         </p:txBody>
@@ -6539,7 +6714,7 @@
         </p:nvSpPr>
         <p:spPr>
           <a:xfrm>
-            <a:off x="20822769" y="13230083"/>
+            <a:off x="20822769" y="12492998"/>
             <a:ext cx="4833257" cy="1059585"/>
           </a:xfrm>
           <a:prstGeom prst="roundRect">
@@ -6581,18 +6756,7 @@
                   <a:srgbClr val="FF0000"/>
                 </a:solidFill>
               </a:rPr>
-              <a:t>Final design concept</a:t>
-            </a:r>
-          </a:p>
-          <a:p>
-            <a:pPr algn="ctr"/>
-            <a:r>
-              <a:rPr lang="en-US" dirty="0" smtClean="0">
-                <a:solidFill>
-                  <a:srgbClr val="FF0000"/>
-                </a:solidFill>
-              </a:rPr>
-              <a:t>(picture or CAD model)</a:t>
+              <a:t>Assembly model</a:t>
             </a:r>
             <a:endParaRPr lang="en-US" dirty="0">
               <a:solidFill>
@@ -6610,7 +6774,7 @@
         </p:nvSpPr>
         <p:spPr>
           <a:xfrm>
-            <a:off x="15912049" y="17824780"/>
+            <a:off x="15912049" y="17087695"/>
             <a:ext cx="2333431" cy="1059585"/>
           </a:xfrm>
           <a:prstGeom prst="roundRect">
@@ -6670,7 +6834,7 @@
         </p:nvSpPr>
         <p:spPr>
           <a:xfrm>
-            <a:off x="18765806" y="17814821"/>
+            <a:off x="18765806" y="17077736"/>
             <a:ext cx="2308938" cy="1059585"/>
           </a:xfrm>
           <a:prstGeom prst="roundRect">
@@ -6730,7 +6894,67 @@
         </p:nvSpPr>
         <p:spPr>
           <a:xfrm>
-            <a:off x="17290500" y="15767696"/>
+            <a:off x="16459200" y="15030611"/>
+            <a:ext cx="3379965" cy="1059585"/>
+          </a:xfrm>
+          <a:prstGeom prst="roundRect">
+            <a:avLst/>
+          </a:prstGeom>
+          <a:noFill/>
+          <a:ln>
+            <a:solidFill>
+              <a:schemeClr val="bg2">
+                <a:lumMod val="60000"/>
+                <a:lumOff val="40000"/>
+              </a:schemeClr>
+            </a:solidFill>
+          </a:ln>
+          <a:effectLst/>
+        </p:spPr>
+        <p:style>
+          <a:lnRef idx="1">
+            <a:schemeClr val="accent1"/>
+          </a:lnRef>
+          <a:fillRef idx="3">
+            <a:schemeClr val="accent1"/>
+          </a:fillRef>
+          <a:effectRef idx="2">
+            <a:schemeClr val="accent1"/>
+          </a:effectRef>
+          <a:fontRef idx="minor">
+            <a:schemeClr val="lt1"/>
+          </a:fontRef>
+        </p:style>
+        <p:txBody>
+          <a:bodyPr rtlCol="0" anchor="ctr"/>
+          <a:lstStyle/>
+          <a:p>
+            <a:pPr algn="ctr"/>
+            <a:r>
+              <a:rPr lang="en-US" dirty="0" smtClean="0">
+                <a:solidFill>
+                  <a:srgbClr val="FF0000"/>
+                </a:solidFill>
+              </a:rPr>
+              <a:t>Casing/diffuser design</a:t>
+            </a:r>
+            <a:endParaRPr lang="en-US" dirty="0">
+              <a:solidFill>
+                <a:srgbClr val="FF0000"/>
+              </a:solidFill>
+            </a:endParaRPr>
+          </a:p>
+        </p:txBody>
+      </p:sp>
+      <p:sp>
+        <p:nvSpPr>
+          <p:cNvPr id="18" name="Rounded Rectangle 17"/>
+          <p:cNvSpPr/>
+          <p:nvPr/>
+        </p:nvSpPr>
+        <p:spPr>
+          <a:xfrm>
+            <a:off x="20690732" y="15043666"/>
             <a:ext cx="2548665" cy="1059585"/>
           </a:xfrm>
           <a:prstGeom prst="roundRect">
@@ -6767,12 +6991,12 @@
           <a:p>
             <a:pPr algn="ctr"/>
             <a:r>
-              <a:rPr lang="en-US" smtClean="0">
+              <a:rPr lang="en-US" dirty="0" smtClean="0">
                 <a:solidFill>
                   <a:srgbClr val="FF0000"/>
                 </a:solidFill>
               </a:rPr>
-              <a:t>Subsystem 1</a:t>
+              <a:t>Impeller</a:t>
             </a:r>
             <a:endParaRPr lang="en-US" dirty="0">
               <a:solidFill>
@@ -6784,13 +7008,13 @@
       </p:sp>
       <p:sp>
         <p:nvSpPr>
-          <p:cNvPr id="18" name="Rounded Rectangle 17"/>
+          <p:cNvPr id="19" name="Rounded Rectangle 18"/>
           <p:cNvSpPr/>
           <p:nvPr/>
         </p:nvSpPr>
         <p:spPr>
           <a:xfrm>
-            <a:off x="20690732" y="15780751"/>
+            <a:off x="24261952" y="15043666"/>
             <a:ext cx="2548665" cy="1059585"/>
           </a:xfrm>
           <a:prstGeom prst="roundRect">
@@ -6827,72 +7051,12 @@
           <a:p>
             <a:pPr algn="ctr"/>
             <a:r>
-              <a:rPr lang="en-US" smtClean="0">
+              <a:rPr lang="en-US" dirty="0" smtClean="0">
                 <a:solidFill>
                   <a:srgbClr val="FF0000"/>
                 </a:solidFill>
               </a:rPr>
-              <a:t>Subsystem 2</a:t>
-            </a:r>
-            <a:endParaRPr lang="en-US" dirty="0">
-              <a:solidFill>
-                <a:srgbClr val="FF0000"/>
-              </a:solidFill>
-            </a:endParaRPr>
-          </a:p>
-        </p:txBody>
-      </p:sp>
-      <p:sp>
-        <p:nvSpPr>
-          <p:cNvPr id="19" name="Rounded Rectangle 18"/>
-          <p:cNvSpPr/>
-          <p:nvPr/>
-        </p:nvSpPr>
-        <p:spPr>
-          <a:xfrm>
-            <a:off x="24261952" y="15780751"/>
-            <a:ext cx="2548665" cy="1059585"/>
-          </a:xfrm>
-          <a:prstGeom prst="roundRect">
-            <a:avLst/>
-          </a:prstGeom>
-          <a:noFill/>
-          <a:ln>
-            <a:solidFill>
-              <a:schemeClr val="bg2">
-                <a:lumMod val="60000"/>
-                <a:lumOff val="40000"/>
-              </a:schemeClr>
-            </a:solidFill>
-          </a:ln>
-          <a:effectLst/>
-        </p:spPr>
-        <p:style>
-          <a:lnRef idx="1">
-            <a:schemeClr val="accent1"/>
-          </a:lnRef>
-          <a:fillRef idx="3">
-            <a:schemeClr val="accent1"/>
-          </a:fillRef>
-          <a:effectRef idx="2">
-            <a:schemeClr val="accent1"/>
-          </a:effectRef>
-          <a:fontRef idx="minor">
-            <a:schemeClr val="lt1"/>
-          </a:fontRef>
-        </p:style>
-        <p:txBody>
-          <a:bodyPr rtlCol="0" anchor="ctr"/>
-          <a:lstStyle/>
-          <a:p>
-            <a:pPr algn="ctr"/>
-            <a:r>
-              <a:rPr lang="en-US" dirty="0" smtClean="0">
-                <a:solidFill>
-                  <a:srgbClr val="FF0000"/>
-                </a:solidFill>
-              </a:rPr>
-              <a:t>Subsystem 3</a:t>
+              <a:t>Rotating elements</a:t>
             </a:r>
             <a:endParaRPr lang="en-US" dirty="0">
               <a:solidFill>
@@ -6910,7 +7074,7 @@
         </p:nvCxnSpPr>
         <p:spPr>
           <a:xfrm flipV="1">
-            <a:off x="19527109" y="14597194"/>
+            <a:off x="19527109" y="13860109"/>
             <a:ext cx="1547635" cy="876032"/>
           </a:xfrm>
           <a:prstGeom prst="straightConnector1">
@@ -6946,7 +7110,7 @@
         </p:nvCxnSpPr>
         <p:spPr>
           <a:xfrm flipV="1">
-            <a:off x="21965064" y="14597193"/>
+            <a:off x="21965064" y="13860108"/>
             <a:ext cx="236351" cy="979124"/>
           </a:xfrm>
           <a:prstGeom prst="straightConnector1">
@@ -6982,7 +7146,7 @@
         </p:nvCxnSpPr>
         <p:spPr>
           <a:xfrm flipH="1" flipV="1">
-            <a:off x="24435660" y="14597194"/>
+            <a:off x="24435660" y="13860109"/>
             <a:ext cx="831849" cy="979122"/>
           </a:xfrm>
           <a:prstGeom prst="straightConnector1">
@@ -7018,7 +7182,7 @@
         </p:nvCxnSpPr>
         <p:spPr>
           <a:xfrm flipV="1">
-            <a:off x="17290500" y="16985126"/>
+            <a:off x="17290500" y="16248041"/>
             <a:ext cx="780342" cy="680495"/>
           </a:xfrm>
           <a:prstGeom prst="straightConnector1">
@@ -7054,7 +7218,7 @@
         </p:nvCxnSpPr>
         <p:spPr>
           <a:xfrm flipH="1" flipV="1">
-            <a:off x="19257481" y="16964333"/>
+            <a:off x="19257481" y="16227248"/>
             <a:ext cx="780342" cy="680495"/>
           </a:xfrm>
           <a:prstGeom prst="straightConnector1">
@@ -7092,7 +7256,7 @@
         </p:nvSpPr>
         <p:spPr bwMode="auto">
           <a:xfrm>
-            <a:off x="33029979" y="20870309"/>
+            <a:off x="33029979" y="20133224"/>
             <a:ext cx="10012680" cy="6255079"/>
           </a:xfrm>
           <a:prstGeom prst="rect">
@@ -7257,7 +7421,8 @@
                 <a:solidFill>
                   <a:srgbClr val="000000"/>
                 </a:solidFill>
-                <a:latin typeface="+mn-lt"/>
+                <a:latin typeface="Helvetica" panose="020B0604020202020204" pitchFamily="34" charset="0"/>
+                <a:cs typeface="Helvetica" panose="020B0604020202020204" pitchFamily="34" charset="0"/>
               </a:rPr>
               <a:t>Lessons Learned / Future Work</a:t>
             </a:r>
@@ -7266,51 +7431,14 @@
                 <a:solidFill>
                   <a:srgbClr val="FF8000"/>
                 </a:solidFill>
-                <a:latin typeface="+mn-lt"/>
+                <a:latin typeface="Helvetica" panose="020B0604020202020204" pitchFamily="34" charset="0"/>
+                <a:cs typeface="Helvetica" panose="020B0604020202020204" pitchFamily="34" charset="0"/>
               </a:rPr>
               <a:t>	</a:t>
             </a:r>
             <a:endParaRPr lang="en-US" altLang="x-none" sz="2057" dirty="0">
-              <a:latin typeface="+mn-lt"/>
-            </a:endParaRPr>
-          </a:p>
-          <a:p>
-            <a:pPr eaLnBrk="1" hangingPunct="1">
-              <a:spcBef>
-                <a:spcPct val="10000"/>
-              </a:spcBef>
-            </a:pPr>
-            <a:r>
-              <a:rPr lang="en-US" altLang="x-none" sz="2800" dirty="0" smtClean="0">
-                <a:latin typeface="+mn-lt"/>
-              </a:rPr>
-              <a:t>Do you have advice for other Capstone teams? Is there something you would do differently? Try to frame this advice from a positive, encouraging perspective</a:t>
-            </a:r>
-          </a:p>
-          <a:p>
-            <a:pPr eaLnBrk="1" hangingPunct="1">
-              <a:spcBef>
-                <a:spcPct val="10000"/>
-              </a:spcBef>
-            </a:pPr>
-            <a:endParaRPr lang="en-US" altLang="x-none" sz="2800" dirty="0">
-              <a:latin typeface="+mn-lt"/>
-            </a:endParaRPr>
-          </a:p>
-          <a:p>
-            <a:pPr eaLnBrk="1" hangingPunct="1">
-              <a:spcBef>
-                <a:spcPct val="10000"/>
-              </a:spcBef>
-            </a:pPr>
-            <a:r>
-              <a:rPr lang="en-US" altLang="x-none" sz="2800" dirty="0" smtClean="0">
-                <a:latin typeface="+mn-lt"/>
-              </a:rPr>
-              <a:t>If you have recommendations for continuing this project, list those recommendations here</a:t>
-            </a:r>
-            <a:endParaRPr lang="en-US" altLang="x-none" sz="2800" dirty="0">
-              <a:latin typeface="+mn-lt"/>
+              <a:latin typeface="Helvetica" panose="020B0604020202020204" pitchFamily="34" charset="0"/>
+              <a:cs typeface="Helvetica" panose="020B0604020202020204" pitchFamily="34" charset="0"/>
             </a:endParaRPr>
           </a:p>
           <a:p>
@@ -7335,7 +7463,7 @@
         </p:nvSpPr>
         <p:spPr bwMode="auto">
           <a:xfrm>
-            <a:off x="22363339" y="28019208"/>
+            <a:off x="22363339" y="28192637"/>
             <a:ext cx="9601200" cy="3918857"/>
           </a:xfrm>
           <a:prstGeom prst="rect">
@@ -7469,7 +7597,8 @@
                 <a:solidFill>
                   <a:srgbClr val="000000"/>
                 </a:solidFill>
-                <a:latin typeface="+mn-lt"/>
+                <a:latin typeface="Helvetica" panose="020B0604020202020204" pitchFamily="34" charset="0"/>
+                <a:cs typeface="Helvetica" panose="020B0604020202020204" pitchFamily="34" charset="0"/>
               </a:rPr>
               <a:t>Thank you to our sponsors</a:t>
             </a:r>
@@ -7477,7 +7606,8 @@
               <a:solidFill>
                 <a:srgbClr val="000000"/>
               </a:solidFill>
-              <a:latin typeface="+mn-lt"/>
+              <a:latin typeface="Helvetica" panose="020B0604020202020204" pitchFamily="34" charset="0"/>
+              <a:cs typeface="Helvetica" panose="020B0604020202020204" pitchFamily="34" charset="0"/>
             </a:endParaRPr>
           </a:p>
           <a:p>
@@ -7488,7 +7618,8 @@
             </a:pPr>
             <a:r>
               <a:rPr lang="en-US" altLang="x-none" sz="2800" dirty="0" smtClean="0">
-                <a:latin typeface="+mn-lt"/>
+                <a:latin typeface="Helvetica" panose="020B0604020202020204" pitchFamily="34" charset="0"/>
+                <a:cs typeface="Helvetica" panose="020B0604020202020204" pitchFamily="34" charset="0"/>
               </a:rPr>
               <a:t>ACME Corporation</a:t>
             </a:r>
@@ -7501,7 +7632,8 @@
             </a:pPr>
             <a:r>
               <a:rPr lang="en-US" altLang="x-none" sz="2800" dirty="0" smtClean="0">
-                <a:latin typeface="+mn-lt"/>
+                <a:latin typeface="Helvetica" panose="020B0604020202020204" pitchFamily="34" charset="0"/>
+                <a:cs typeface="Helvetica" panose="020B0604020202020204" pitchFamily="34" charset="0"/>
               </a:rPr>
               <a:t>URS Electronics</a:t>
             </a:r>
@@ -7514,12 +7646,14 @@
             </a:pPr>
             <a:r>
               <a:rPr lang="en-US" altLang="x-none" sz="2800" dirty="0" smtClean="0">
-                <a:latin typeface="+mn-lt"/>
+                <a:latin typeface="Helvetica" panose="020B0604020202020204" pitchFamily="34" charset="0"/>
+                <a:cs typeface="Helvetica" panose="020B0604020202020204" pitchFamily="34" charset="0"/>
               </a:rPr>
               <a:t>Mechanical Materials Engineering Department</a:t>
             </a:r>
             <a:endParaRPr lang="en-US" altLang="x-none" sz="2800" dirty="0">
-              <a:latin typeface="+mn-lt"/>
+              <a:latin typeface="Helvetica" panose="020B0604020202020204" pitchFamily="34" charset="0"/>
+              <a:cs typeface="Helvetica" panose="020B0604020202020204" pitchFamily="34" charset="0"/>
             </a:endParaRPr>
           </a:p>
           <a:p>
@@ -7542,7 +7676,7 @@
         </p:nvSpPr>
         <p:spPr>
           <a:xfrm>
-            <a:off x="14250800" y="20794356"/>
+            <a:off x="14250800" y="20057271"/>
             <a:ext cx="6823944" cy="3940932"/>
           </a:xfrm>
           <a:prstGeom prst="roundRect">
@@ -7584,7 +7718,15 @@
                   <a:srgbClr val="FF0000"/>
                 </a:solidFill>
               </a:rPr>
-              <a:t>Photo of subsystem or device in action</a:t>
+              <a:t>Photo of subsystem or device in </a:t>
+            </a:r>
+            <a:r>
+              <a:rPr lang="en-US" dirty="0" smtClean="0">
+                <a:solidFill>
+                  <a:srgbClr val="FF0000"/>
+                </a:solidFill>
+              </a:rPr>
+              <a:t>action. ACTION SPRAY SHOT FROM TEST BENCH</a:t>
             </a:r>
             <a:endParaRPr lang="en-US" dirty="0">
               <a:solidFill>
@@ -7602,7 +7744,7 @@
         </p:nvSpPr>
         <p:spPr>
           <a:xfrm>
-            <a:off x="23092228" y="20683544"/>
+            <a:off x="23092228" y="19946459"/>
             <a:ext cx="5994402" cy="3940932"/>
           </a:xfrm>
           <a:prstGeom prst="roundRect">
@@ -7670,7 +7812,7 @@
         </p:nvSpPr>
         <p:spPr>
           <a:xfrm>
-            <a:off x="23672800" y="24929264"/>
+            <a:off x="23672800" y="24192179"/>
             <a:ext cx="4938226" cy="954107"/>
           </a:xfrm>
           <a:prstGeom prst="rect">
@@ -7708,7 +7850,7 @@
         </p:nvSpPr>
         <p:spPr>
           <a:xfrm>
-            <a:off x="15327896" y="24929263"/>
+            <a:off x="15327896" y="24192178"/>
             <a:ext cx="4938226" cy="954107"/>
           </a:xfrm>
           <a:prstGeom prst="rect">
@@ -7746,7 +7888,7 @@
         </p:nvSpPr>
         <p:spPr>
           <a:xfrm>
-            <a:off x="34631056" y="13584125"/>
+            <a:off x="34631056" y="12847040"/>
             <a:ext cx="5994402" cy="3940932"/>
           </a:xfrm>
           <a:prstGeom prst="roundRect">
@@ -7822,8 +7964,8 @@
         </p:nvSpPr>
         <p:spPr>
           <a:xfrm>
-            <a:off x="35211628" y="17829845"/>
-            <a:ext cx="4938226" cy="954107"/>
+            <a:off x="35211628" y="17092760"/>
+            <a:ext cx="4938226" cy="1384995"/>
           </a:xfrm>
           <a:prstGeom prst="rect">
             <a:avLst/>
@@ -7838,16 +7980,16 @@
           <a:p>
             <a:r>
               <a:rPr lang="en-US" sz="2800" dirty="0" smtClean="0">
-                <a:latin typeface="Times New Roman" charset="0"/>
+                <a:latin typeface="Helvetica" panose="020B0604020202020204" pitchFamily="34" charset="0"/>
                 <a:ea typeface="Times New Roman" charset="0"/>
-                <a:cs typeface="Times New Roman" charset="0"/>
+                <a:cs typeface="Helvetica" panose="020B0604020202020204" pitchFamily="34" charset="0"/>
               </a:rPr>
               <a:t>Figure caption and maybe a short paragraph of explanatory text</a:t>
             </a:r>
             <a:endParaRPr lang="en-US" sz="2800" dirty="0">
-              <a:latin typeface="Times New Roman" charset="0"/>
+              <a:latin typeface="Helvetica" panose="020B0604020202020204" pitchFamily="34" charset="0"/>
               <a:ea typeface="Times New Roman" charset="0"/>
-              <a:cs typeface="Times New Roman" charset="0"/>
+              <a:cs typeface="Helvetica" panose="020B0604020202020204" pitchFamily="34" charset="0"/>
             </a:endParaRPr>
           </a:p>
         </p:txBody>
@@ -7874,7 +8016,7 @@
         </p:blipFill>
         <p:spPr>
           <a:xfrm>
-            <a:off x="37031980" y="30552856"/>
+            <a:off x="37031980" y="30726285"/>
             <a:ext cx="5507083" cy="1148717"/>
           </a:xfrm>
           <a:prstGeom prst="rect">
@@ -7905,7 +8047,7 @@
         <p:spPr>
           <a:xfrm>
             <a:off x="1045029" y="463471"/>
-            <a:ext cx="3851436" cy="3851436"/>
+            <a:ext cx="3717471" cy="3717471"/>
           </a:xfrm>
           <a:prstGeom prst="rect">
             <a:avLst/>
